--- a/Final/CpE403_Project_F2018.pptx
+++ b/Final/CpE403_Project_F2018.pptx
@@ -5,10 +5,10 @@
     <p:sldMasterId id="2147483672" r:id="rId1"/>
   </p:sldMasterIdLst>
   <p:notesMasterIdLst>
-    <p:notesMasterId r:id="rId14"/>
+    <p:notesMasterId r:id="rId17"/>
   </p:notesMasterIdLst>
   <p:handoutMasterIdLst>
-    <p:handoutMasterId r:id="rId15"/>
+    <p:handoutMasterId r:id="rId18"/>
   </p:handoutMasterIdLst>
   <p:sldIdLst>
     <p:sldId id="256" r:id="rId2"/>
@@ -22,7 +22,10 @@
     <p:sldId id="273" r:id="rId10"/>
     <p:sldId id="264" r:id="rId11"/>
     <p:sldId id="265" r:id="rId12"/>
-    <p:sldId id="266" r:id="rId13"/>
+    <p:sldId id="274" r:id="rId13"/>
+    <p:sldId id="275" r:id="rId14"/>
+    <p:sldId id="276" r:id="rId15"/>
+    <p:sldId id="266" r:id="rId16"/>
   </p:sldIdLst>
   <p:sldSz cx="9144000" cy="6858000" type="screen4x3"/>
   <p:notesSz cx="6858000" cy="9144000"/>
@@ -152,6 +155,253 @@
 </p:cmAuthorLst>
 </file>
 
+<file path=ppt/revisionInfo.xml><?xml version="1.0" encoding="utf-8"?>
+<p1510:revInfo xmlns:a="http://schemas.openxmlformats.org/drawingml/2006/main" xmlns:r="http://schemas.openxmlformats.org/officeDocument/2006/relationships" xmlns:p1510="http://schemas.microsoft.com/office/powerpoint/2015/10/main">
+  <p1510:revLst>
+    <p1510:client id="{56665293-333D-41C3-903F-AF96546672C5}" v="15" dt="2018-12-12T02:31:58.709"/>
+  </p1510:revLst>
+</p1510:revInfo>
+</file>
+
+<file path=ppt/changesInfos/changesInfo1.xml><?xml version="1.0" encoding="utf-8"?>
+<pc:chgInfo xmlns:a="http://schemas.openxmlformats.org/drawingml/2006/main" xmlns:r="http://schemas.openxmlformats.org/officeDocument/2006/relationships" xmlns:ac="http://schemas.microsoft.com/office/drawing/2013/main/command" xmlns:pc="http://schemas.microsoft.com/office/powerpoint/2013/main/command">
+  <pc:docChgLst>
+    <pc:chgData name="Trace Stewart" userId="989f3fb02cdb84b5" providerId="LiveId" clId="{56665293-333D-41C3-903F-AF96546672C5}"/>
+    <pc:docChg chg="custSel addSld modSld">
+      <pc:chgData name="Trace Stewart" userId="989f3fb02cdb84b5" providerId="LiveId" clId="{56665293-333D-41C3-903F-AF96546672C5}" dt="2018-12-12T02:32:45.905" v="688" actId="1076"/>
+      <pc:docMkLst>
+        <pc:docMk/>
+      </pc:docMkLst>
+      <pc:sldChg chg="modSp">
+        <pc:chgData name="Trace Stewart" userId="989f3fb02cdb84b5" providerId="LiveId" clId="{56665293-333D-41C3-903F-AF96546672C5}" dt="2018-12-12T02:25:01.216" v="73" actId="20577"/>
+        <pc:sldMkLst>
+          <pc:docMk/>
+          <pc:sldMk cId="1141629193" sldId="260"/>
+        </pc:sldMkLst>
+        <pc:spChg chg="mod">
+          <ac:chgData name="Trace Stewart" userId="989f3fb02cdb84b5" providerId="LiveId" clId="{56665293-333D-41C3-903F-AF96546672C5}" dt="2018-12-12T02:25:01.216" v="73" actId="20577"/>
+          <ac:spMkLst>
+            <pc:docMk/>
+            <pc:sldMk cId="1141629193" sldId="260"/>
+            <ac:spMk id="3" creationId="{00000000-0000-0000-0000-000000000000}"/>
+          </ac:spMkLst>
+        </pc:spChg>
+      </pc:sldChg>
+      <pc:sldChg chg="addSp delSp modSp">
+        <pc:chgData name="Trace Stewart" userId="989f3fb02cdb84b5" providerId="LiveId" clId="{56665293-333D-41C3-903F-AF96546672C5}" dt="2018-12-12T02:30:33.367" v="296" actId="1076"/>
+        <pc:sldMkLst>
+          <pc:docMk/>
+          <pc:sldMk cId="3572365159" sldId="265"/>
+        </pc:sldMkLst>
+        <pc:spChg chg="del mod">
+          <ac:chgData name="Trace Stewart" userId="989f3fb02cdb84b5" providerId="LiveId" clId="{56665293-333D-41C3-903F-AF96546672C5}" dt="2018-12-12T02:28:01.461" v="157"/>
+          <ac:spMkLst>
+            <pc:docMk/>
+            <pc:sldMk cId="3572365159" sldId="265"/>
+            <ac:spMk id="3" creationId="{00000000-0000-0000-0000-000000000000}"/>
+          </ac:spMkLst>
+        </pc:spChg>
+        <pc:spChg chg="add mod">
+          <ac:chgData name="Trace Stewart" userId="989f3fb02cdb84b5" providerId="LiveId" clId="{56665293-333D-41C3-903F-AF96546672C5}" dt="2018-12-12T02:30:33.367" v="296" actId="1076"/>
+          <ac:spMkLst>
+            <pc:docMk/>
+            <pc:sldMk cId="3572365159" sldId="265"/>
+            <ac:spMk id="7" creationId="{BC4D39C3-C01C-477F-954B-D6C1CBE5DCCE}"/>
+          </ac:spMkLst>
+        </pc:spChg>
+        <pc:picChg chg="add mod">
+          <ac:chgData name="Trace Stewart" userId="989f3fb02cdb84b5" providerId="LiveId" clId="{56665293-333D-41C3-903F-AF96546672C5}" dt="2018-12-12T02:28:05.580" v="159" actId="1076"/>
+          <ac:picMkLst>
+            <pc:docMk/>
+            <pc:sldMk cId="3572365159" sldId="265"/>
+            <ac:picMk id="5" creationId="{61741675-0A63-499D-B8C5-FF85B3C9C2D9}"/>
+          </ac:picMkLst>
+        </pc:picChg>
+        <pc:picChg chg="add mod">
+          <ac:chgData name="Trace Stewart" userId="989f3fb02cdb84b5" providerId="LiveId" clId="{56665293-333D-41C3-903F-AF96546672C5}" dt="2018-12-12T02:28:18.582" v="161" actId="1076"/>
+          <ac:picMkLst>
+            <pc:docMk/>
+            <pc:sldMk cId="3572365159" sldId="265"/>
+            <ac:picMk id="6" creationId="{9701AC87-5CF5-4822-BF23-FE851083F9A9}"/>
+          </ac:picMkLst>
+        </pc:picChg>
+      </pc:sldChg>
+      <pc:sldChg chg="modSp">
+        <pc:chgData name="Trace Stewart" userId="989f3fb02cdb84b5" providerId="LiveId" clId="{56665293-333D-41C3-903F-AF96546672C5}" dt="2018-12-12T02:27:09.148" v="155" actId="20577"/>
+        <pc:sldMkLst>
+          <pc:docMk/>
+          <pc:sldMk cId="534907234" sldId="266"/>
+        </pc:sldMkLst>
+        <pc:spChg chg="mod">
+          <ac:chgData name="Trace Stewart" userId="989f3fb02cdb84b5" providerId="LiveId" clId="{56665293-333D-41C3-903F-AF96546672C5}" dt="2018-12-12T02:27:09.148" v="155" actId="20577"/>
+          <ac:spMkLst>
+            <pc:docMk/>
+            <pc:sldMk cId="534907234" sldId="266"/>
+            <ac:spMk id="3" creationId="{00000000-0000-0000-0000-000000000000}"/>
+          </ac:spMkLst>
+        </pc:spChg>
+      </pc:sldChg>
+      <pc:sldChg chg="modSp">
+        <pc:chgData name="Trace Stewart" userId="989f3fb02cdb84b5" providerId="LiveId" clId="{56665293-333D-41C3-903F-AF96546672C5}" dt="2018-12-12T02:25:56.532" v="74" actId="20577"/>
+        <pc:sldMkLst>
+          <pc:docMk/>
+          <pc:sldMk cId="795469023" sldId="269"/>
+        </pc:sldMkLst>
+        <pc:spChg chg="mod">
+          <ac:chgData name="Trace Stewart" userId="989f3fb02cdb84b5" providerId="LiveId" clId="{56665293-333D-41C3-903F-AF96546672C5}" dt="2018-12-12T02:25:56.532" v="74" actId="20577"/>
+          <ac:spMkLst>
+            <pc:docMk/>
+            <pc:sldMk cId="795469023" sldId="269"/>
+            <ac:spMk id="3" creationId="{00000000-0000-0000-0000-000000000000}"/>
+          </ac:spMkLst>
+        </pc:spChg>
+      </pc:sldChg>
+      <pc:sldChg chg="addSp delSp modSp add">
+        <pc:chgData name="Trace Stewart" userId="989f3fb02cdb84b5" providerId="LiveId" clId="{56665293-333D-41C3-903F-AF96546672C5}" dt="2018-12-12T02:30:59.981" v="349" actId="20577"/>
+        <pc:sldMkLst>
+          <pc:docMk/>
+          <pc:sldMk cId="2540093233" sldId="274"/>
+        </pc:sldMkLst>
+        <pc:spChg chg="mod">
+          <ac:chgData name="Trace Stewart" userId="989f3fb02cdb84b5" providerId="LiveId" clId="{56665293-333D-41C3-903F-AF96546672C5}" dt="2018-12-12T02:28:24.372" v="163" actId="27636"/>
+          <ac:spMkLst>
+            <pc:docMk/>
+            <pc:sldMk cId="2540093233" sldId="274"/>
+            <ac:spMk id="2" creationId="{07F3D9A9-E4BE-4DED-8835-DF27B0CC9AC3}"/>
+          </ac:spMkLst>
+        </pc:spChg>
+        <pc:spChg chg="del">
+          <ac:chgData name="Trace Stewart" userId="989f3fb02cdb84b5" providerId="LiveId" clId="{56665293-333D-41C3-903F-AF96546672C5}" dt="2018-12-12T02:28:29.165" v="164"/>
+          <ac:spMkLst>
+            <pc:docMk/>
+            <pc:sldMk cId="2540093233" sldId="274"/>
+            <ac:spMk id="3" creationId="{63211E90-1704-473B-AA30-D31444AC4D8A}"/>
+          </ac:spMkLst>
+        </pc:spChg>
+        <pc:spChg chg="add mod">
+          <ac:chgData name="Trace Stewart" userId="989f3fb02cdb84b5" providerId="LiveId" clId="{56665293-333D-41C3-903F-AF96546672C5}" dt="2018-12-12T02:30:59.981" v="349" actId="20577"/>
+          <ac:spMkLst>
+            <pc:docMk/>
+            <pc:sldMk cId="2540093233" sldId="274"/>
+            <ac:spMk id="7" creationId="{50552DD0-5C2D-485C-BC61-AEA60840672C}"/>
+          </ac:spMkLst>
+        </pc:spChg>
+        <pc:picChg chg="add mod">
+          <ac:chgData name="Trace Stewart" userId="989f3fb02cdb84b5" providerId="LiveId" clId="{56665293-333D-41C3-903F-AF96546672C5}" dt="2018-12-12T02:28:31.074" v="165" actId="1076"/>
+          <ac:picMkLst>
+            <pc:docMk/>
+            <pc:sldMk cId="2540093233" sldId="274"/>
+            <ac:picMk id="5" creationId="{F89CE417-2783-446D-BFD2-CE0998A55CA5}"/>
+          </ac:picMkLst>
+        </pc:picChg>
+        <pc:picChg chg="add mod">
+          <ac:chgData name="Trace Stewart" userId="989f3fb02cdb84b5" providerId="LiveId" clId="{56665293-333D-41C3-903F-AF96546672C5}" dt="2018-12-12T02:28:35.836" v="167" actId="1076"/>
+          <ac:picMkLst>
+            <pc:docMk/>
+            <pc:sldMk cId="2540093233" sldId="274"/>
+            <ac:picMk id="6" creationId="{4470EDC2-56CA-4431-A38F-5614B2123E5D}"/>
+          </ac:picMkLst>
+        </pc:picChg>
+      </pc:sldChg>
+      <pc:sldChg chg="addSp delSp modSp add">
+        <pc:chgData name="Trace Stewart" userId="989f3fb02cdb84b5" providerId="LiveId" clId="{56665293-333D-41C3-903F-AF96546672C5}" dt="2018-12-12T02:31:40.746" v="457" actId="1076"/>
+        <pc:sldMkLst>
+          <pc:docMk/>
+          <pc:sldMk cId="3025956409" sldId="275"/>
+        </pc:sldMkLst>
+        <pc:spChg chg="mod">
+          <ac:chgData name="Trace Stewart" userId="989f3fb02cdb84b5" providerId="LiveId" clId="{56665293-333D-41C3-903F-AF96546672C5}" dt="2018-12-12T02:28:41.693" v="169" actId="27636"/>
+          <ac:spMkLst>
+            <pc:docMk/>
+            <pc:sldMk cId="3025956409" sldId="275"/>
+            <ac:spMk id="2" creationId="{36E01EA8-6592-423B-828C-17EC4CC0A239}"/>
+          </ac:spMkLst>
+        </pc:spChg>
+        <pc:spChg chg="del">
+          <ac:chgData name="Trace Stewart" userId="989f3fb02cdb84b5" providerId="LiveId" clId="{56665293-333D-41C3-903F-AF96546672C5}" dt="2018-12-12T02:28:46.319" v="170"/>
+          <ac:spMkLst>
+            <pc:docMk/>
+            <pc:sldMk cId="3025956409" sldId="275"/>
+            <ac:spMk id="3" creationId="{C505B75A-2F99-4429-99F8-581FCDCA2EA2}"/>
+          </ac:spMkLst>
+        </pc:spChg>
+        <pc:spChg chg="add mod">
+          <ac:chgData name="Trace Stewart" userId="989f3fb02cdb84b5" providerId="LiveId" clId="{56665293-333D-41C3-903F-AF96546672C5}" dt="2018-12-12T02:31:35.535" v="455" actId="20577"/>
+          <ac:spMkLst>
+            <pc:docMk/>
+            <pc:sldMk cId="3025956409" sldId="275"/>
+            <ac:spMk id="8" creationId="{EA6A12FC-8903-4E3D-A28F-36D50BD58A3C}"/>
+          </ac:spMkLst>
+        </pc:spChg>
+        <pc:picChg chg="add mod">
+          <ac:chgData name="Trace Stewart" userId="989f3fb02cdb84b5" providerId="LiveId" clId="{56665293-333D-41C3-903F-AF96546672C5}" dt="2018-12-12T02:28:49.723" v="172" actId="1076"/>
+          <ac:picMkLst>
+            <pc:docMk/>
+            <pc:sldMk cId="3025956409" sldId="275"/>
+            <ac:picMk id="5" creationId="{470B90D3-AB28-4857-9010-35197F623074}"/>
+          </ac:picMkLst>
+        </pc:picChg>
+        <pc:picChg chg="add mod">
+          <ac:chgData name="Trace Stewart" userId="989f3fb02cdb84b5" providerId="LiveId" clId="{56665293-333D-41C3-903F-AF96546672C5}" dt="2018-12-12T02:31:39.562" v="456" actId="1076"/>
+          <ac:picMkLst>
+            <pc:docMk/>
+            <pc:sldMk cId="3025956409" sldId="275"/>
+            <ac:picMk id="6" creationId="{68B3001D-E6DC-4E87-860E-906A23A9C52E}"/>
+          </ac:picMkLst>
+        </pc:picChg>
+        <pc:picChg chg="add mod">
+          <ac:chgData name="Trace Stewart" userId="989f3fb02cdb84b5" providerId="LiveId" clId="{56665293-333D-41C3-903F-AF96546672C5}" dt="2018-12-12T02:31:40.746" v="457" actId="1076"/>
+          <ac:picMkLst>
+            <pc:docMk/>
+            <pc:sldMk cId="3025956409" sldId="275"/>
+            <ac:picMk id="7" creationId="{3CA1C9FB-AAE1-4014-8951-E9F9499C1632}"/>
+          </ac:picMkLst>
+        </pc:picChg>
+      </pc:sldChg>
+      <pc:sldChg chg="addSp delSp modSp add">
+        <pc:chgData name="Trace Stewart" userId="989f3fb02cdb84b5" providerId="LiveId" clId="{56665293-333D-41C3-903F-AF96546672C5}" dt="2018-12-12T02:32:45.905" v="688" actId="1076"/>
+        <pc:sldMkLst>
+          <pc:docMk/>
+          <pc:sldMk cId="1597394139" sldId="276"/>
+        </pc:sldMkLst>
+        <pc:spChg chg="mod">
+          <ac:chgData name="Trace Stewart" userId="989f3fb02cdb84b5" providerId="LiveId" clId="{56665293-333D-41C3-903F-AF96546672C5}" dt="2018-12-12T02:29:09.227" v="178" actId="27636"/>
+          <ac:spMkLst>
+            <pc:docMk/>
+            <pc:sldMk cId="1597394139" sldId="276"/>
+            <ac:spMk id="2" creationId="{4EF60A9D-542C-4B03-867E-13115404D4EF}"/>
+          </ac:spMkLst>
+        </pc:spChg>
+        <pc:spChg chg="del">
+          <ac:chgData name="Trace Stewart" userId="989f3fb02cdb84b5" providerId="LiveId" clId="{56665293-333D-41C3-903F-AF96546672C5}" dt="2018-12-12T02:29:12.124" v="179"/>
+          <ac:spMkLst>
+            <pc:docMk/>
+            <pc:sldMk cId="1597394139" sldId="276"/>
+            <ac:spMk id="3" creationId="{FAE9ACC4-0347-4D3C-88C7-73C2B7FF6FFB}"/>
+          </ac:spMkLst>
+        </pc:spChg>
+        <pc:spChg chg="add mod">
+          <ac:chgData name="Trace Stewart" userId="989f3fb02cdb84b5" providerId="LiveId" clId="{56665293-333D-41C3-903F-AF96546672C5}" dt="2018-12-12T02:32:45.905" v="688" actId="1076"/>
+          <ac:spMkLst>
+            <pc:docMk/>
+            <pc:sldMk cId="1597394139" sldId="276"/>
+            <ac:spMk id="6" creationId="{E0171C89-EF14-4267-B536-EE26A81F5A09}"/>
+          </ac:spMkLst>
+        </pc:spChg>
+        <pc:picChg chg="add mod">
+          <ac:chgData name="Trace Stewart" userId="989f3fb02cdb84b5" providerId="LiveId" clId="{56665293-333D-41C3-903F-AF96546672C5}" dt="2018-12-12T02:31:49.903" v="459" actId="1076"/>
+          <ac:picMkLst>
+            <pc:docMk/>
+            <pc:sldMk cId="1597394139" sldId="276"/>
+            <ac:picMk id="5" creationId="{8E296B18-47D9-4022-96FC-5AFBFF899A95}"/>
+          </ac:picMkLst>
+        </pc:picChg>
+      </pc:sldChg>
+    </pc:docChg>
+  </pc:docChgLst>
+</pc:chgInfo>
+</file>
+
 <file path=ppt/handoutMasters/handoutMaster1.xml><?xml version="1.0" encoding="utf-8"?>
 <p:handoutMaster xmlns:a="http://schemas.openxmlformats.org/drawingml/2006/main" xmlns:r="http://schemas.openxmlformats.org/officeDocument/2006/relationships" xmlns:p="http://schemas.openxmlformats.org/presentationml/2006/main">
   <p:cSld>
@@ -234,7 +484,7 @@
           <a:p>
             <a:fld id="{09B4B725-7F78-CC42-BFAB-86511518090A}" type="datetime1">
               <a:rPr lang="en-US" smtClean="0"/>
-              <a:t>12/10/2018</a:t>
+              <a:t>12/11/2018</a:t>
             </a:fld>
             <a:endParaRPr lang="en-US"/>
           </a:p>
@@ -400,7 +650,7 @@
           <a:p>
             <a:fld id="{91406FE7-D2B7-0C43-9C06-F1048BFF5817}" type="datetime1">
               <a:rPr lang="en-US" smtClean="0"/>
-              <a:t>12/10/2018</a:t>
+              <a:t>12/11/2018</a:t>
             </a:fld>
             <a:endParaRPr lang="en-US"/>
           </a:p>
@@ -3175,7 +3425,7 @@
             <a:fld id="{8EB9D111-03B8-F446-8E09-256243E54565}" type="datetimeFigureOut">
               <a:rPr lang="en-US" smtClean="0"/>
               <a:pPr/>
-              <a:t>12/10/2018</a:t>
+              <a:t>12/11/2018</a:t>
             </a:fld>
             <a:endParaRPr lang="en-US"/>
           </a:p>
@@ -3808,47 +4058,38 @@
           </a:p>
         </p:txBody>
       </p:sp>
-      <p:sp>
-        <p:nvSpPr>
-          <p:cNvPr id="3" name="Content Placeholder 2"/>
-          <p:cNvSpPr>
-            <a:spLocks noGrp="1"/>
-          </p:cNvSpPr>
+      <p:pic>
+        <p:nvPicPr>
+          <p:cNvPr id="5" name="Content Placeholder 4">
+            <a:extLst>
+              <a:ext uri="{FF2B5EF4-FFF2-40B4-BE49-F238E27FC236}">
+                <a16:creationId xmlns:a16="http://schemas.microsoft.com/office/drawing/2014/main" id="{61741675-0A63-499D-B8C5-FF85B3C9C2D9}"/>
+              </a:ext>
+            </a:extLst>
+          </p:cNvPr>
+          <p:cNvPicPr>
+            <a:picLocks noGrp="1" noChangeAspect="1"/>
+          </p:cNvPicPr>
           <p:nvPr>
             <p:ph idx="1"/>
           </p:nvPr>
-        </p:nvSpPr>
-        <p:spPr/>
-        <p:txBody>
-          <a:bodyPr/>
-          <a:lstStyle/>
-          <a:p>
-            <a:r>
-              <a:rPr lang="en-US" dirty="0"/>
-              <a:t>Show screenshot of outcomes – explain what the screenshot means?</a:t>
-            </a:r>
-          </a:p>
-          <a:p>
-            <a:pPr lvl="1"/>
-            <a:r>
-              <a:rPr lang="en-US" i="1" dirty="0"/>
-              <a:t>Ex: Figure 1 shows the screenshot of data to the serial port, Figure 2 shows the screenshot of data uploaded to the cloud</a:t>
-            </a:r>
-          </a:p>
-          <a:p>
-            <a:endParaRPr lang="en-US" dirty="0"/>
-          </a:p>
-          <a:p>
-            <a:r>
-              <a:rPr lang="en-US" dirty="0"/>
-              <a:t>You can use more slides if needed</a:t>
-            </a:r>
-          </a:p>
-          <a:p>
-            <a:endParaRPr lang="en-US" dirty="0"/>
-          </a:p>
-        </p:txBody>
-      </p:sp>
+        </p:nvPicPr>
+        <p:blipFill>
+          <a:blip r:embed="rId2"/>
+          <a:stretch>
+            <a:fillRect/>
+          </a:stretch>
+        </p:blipFill>
+        <p:spPr>
+          <a:xfrm>
+            <a:off x="344515" y="768626"/>
+            <a:ext cx="3359187" cy="3517697"/>
+          </a:xfrm>
+          <a:prstGeom prst="rect">
+            <a:avLst/>
+          </a:prstGeom>
+        </p:spPr>
+      </p:pic>
       <p:sp>
         <p:nvSpPr>
           <p:cNvPr id="4" name="Footer Placeholder 3"/>
@@ -3867,6 +4108,79 @@
             <a:r>
               <a:rPr kumimoji="0" lang="en-US"/>
               <a:t>CpE403 Advanced Embedded Systems</a:t>
+            </a:r>
+          </a:p>
+        </p:txBody>
+      </p:sp>
+      <p:pic>
+        <p:nvPicPr>
+          <p:cNvPr id="6" name="Picture 5">
+            <a:extLst>
+              <a:ext uri="{FF2B5EF4-FFF2-40B4-BE49-F238E27FC236}">
+                <a16:creationId xmlns:a16="http://schemas.microsoft.com/office/drawing/2014/main" id="{9701AC87-5CF5-4822-BF23-FE851083F9A9}"/>
+              </a:ext>
+            </a:extLst>
+          </p:cNvPr>
+          <p:cNvPicPr>
+            <a:picLocks noChangeAspect="1"/>
+          </p:cNvPicPr>
+          <p:nvPr/>
+        </p:nvPicPr>
+        <p:blipFill>
+          <a:blip r:embed="rId3"/>
+          <a:stretch>
+            <a:fillRect/>
+          </a:stretch>
+        </p:blipFill>
+        <p:spPr>
+          <a:xfrm>
+            <a:off x="3987837" y="768626"/>
+            <a:ext cx="3828620" cy="3036071"/>
+          </a:xfrm>
+          <a:prstGeom prst="rect">
+            <a:avLst/>
+          </a:prstGeom>
+        </p:spPr>
+      </p:pic>
+      <p:sp>
+        <p:nvSpPr>
+          <p:cNvPr id="7" name="TextBox 6">
+            <a:extLst>
+              <a:ext uri="{FF2B5EF4-FFF2-40B4-BE49-F238E27FC236}">
+                <a16:creationId xmlns:a16="http://schemas.microsoft.com/office/drawing/2014/main" id="{BC4D39C3-C01C-477F-954B-D6C1CBE5DCCE}"/>
+              </a:ext>
+            </a:extLst>
+          </p:cNvPr>
+          <p:cNvSpPr txBox="1"/>
+          <p:nvPr/>
+        </p:nvSpPr>
+        <p:spPr>
+          <a:xfrm>
+            <a:off x="1576896" y="4515883"/>
+            <a:ext cx="5131293" cy="646331"/>
+          </a:xfrm>
+          <a:prstGeom prst="rect">
+            <a:avLst/>
+          </a:prstGeom>
+          <a:noFill/>
+        </p:spPr>
+        <p:txBody>
+          <a:bodyPr wrap="square" rtlCol="0">
+            <a:spAutoFit/>
+          </a:bodyPr>
+          <a:lstStyle/>
+          <a:p>
+            <a:r>
+              <a:rPr lang="en-US" dirty="0"/>
+              <a:t>These two pictures above show us getting the </a:t>
+            </a:r>
+            <a:r>
+              <a:rPr lang="en-US" dirty="0" err="1"/>
+              <a:t>ip</a:t>
+            </a:r>
+            <a:r>
+              <a:rPr lang="en-US" dirty="0"/>
+              <a:t> address of the BBB.</a:t>
             </a:r>
           </a:p>
         </p:txBody>
@@ -3903,7 +4217,13 @@
       </p:grpSpPr>
       <p:sp>
         <p:nvSpPr>
-          <p:cNvPr id="2" name="Title 1"/>
+          <p:cNvPr id="2" name="Title 1">
+            <a:extLst>
+              <a:ext uri="{FF2B5EF4-FFF2-40B4-BE49-F238E27FC236}">
+                <a16:creationId xmlns:a16="http://schemas.microsoft.com/office/drawing/2014/main" id="{07F3D9A9-E4BE-4DED-8835-DF27B0CC9AC3}"/>
+              </a:ext>
+            </a:extLst>
+          </p:cNvPr>
           <p:cNvSpPr>
             <a:spLocks noGrp="1"/>
           </p:cNvSpPr>
@@ -3918,6 +4238,559 @@
           </a:bodyPr>
           <a:lstStyle/>
           <a:p>
+            <a:endParaRPr lang="en-US"/>
+          </a:p>
+        </p:txBody>
+      </p:sp>
+      <p:sp>
+        <p:nvSpPr>
+          <p:cNvPr id="4" name="Footer Placeholder 3">
+            <a:extLst>
+              <a:ext uri="{FF2B5EF4-FFF2-40B4-BE49-F238E27FC236}">
+                <a16:creationId xmlns:a16="http://schemas.microsoft.com/office/drawing/2014/main" id="{27E16323-A3D7-47D0-9790-F28714B19FFB}"/>
+              </a:ext>
+            </a:extLst>
+          </p:cNvPr>
+          <p:cNvSpPr>
+            <a:spLocks noGrp="1"/>
+          </p:cNvSpPr>
+          <p:nvPr>
+            <p:ph type="ftr" sz="quarter" idx="11"/>
+          </p:nvPr>
+        </p:nvSpPr>
+        <p:spPr/>
+        <p:txBody>
+          <a:bodyPr/>
+          <a:lstStyle/>
+          <a:p>
+            <a:r>
+              <a:rPr lang="en-US"/>
+              <a:t>CpE403 Advanced Embedded Systems</a:t>
+            </a:r>
+            <a:endParaRPr lang="en-US" dirty="0"/>
+          </a:p>
+        </p:txBody>
+      </p:sp>
+      <p:pic>
+        <p:nvPicPr>
+          <p:cNvPr id="5" name="Content Placeholder 4">
+            <a:extLst>
+              <a:ext uri="{FF2B5EF4-FFF2-40B4-BE49-F238E27FC236}">
+                <a16:creationId xmlns:a16="http://schemas.microsoft.com/office/drawing/2014/main" id="{F89CE417-2783-446D-BFD2-CE0998A55CA5}"/>
+              </a:ext>
+            </a:extLst>
+          </p:cNvPr>
+          <p:cNvPicPr>
+            <a:picLocks noGrp="1"/>
+          </p:cNvPicPr>
+          <p:nvPr>
+            <p:ph idx="1"/>
+          </p:nvPr>
+        </p:nvPicPr>
+        <p:blipFill>
+          <a:blip r:embed="rId2"/>
+          <a:stretch>
+            <a:fillRect/>
+          </a:stretch>
+        </p:blipFill>
+        <p:spPr>
+          <a:xfrm>
+            <a:off x="322726" y="887414"/>
+            <a:ext cx="4752169" cy="5468937"/>
+          </a:xfrm>
+          <a:prstGeom prst="rect">
+            <a:avLst/>
+          </a:prstGeom>
+        </p:spPr>
+      </p:pic>
+      <p:pic>
+        <p:nvPicPr>
+          <p:cNvPr id="6" name="Picture 5">
+            <a:extLst>
+              <a:ext uri="{FF2B5EF4-FFF2-40B4-BE49-F238E27FC236}">
+                <a16:creationId xmlns:a16="http://schemas.microsoft.com/office/drawing/2014/main" id="{4470EDC2-56CA-4431-A38F-5614B2123E5D}"/>
+              </a:ext>
+            </a:extLst>
+          </p:cNvPr>
+          <p:cNvPicPr/>
+          <p:nvPr/>
+        </p:nvPicPr>
+        <p:blipFill>
+          <a:blip r:embed="rId3"/>
+          <a:stretch>
+            <a:fillRect/>
+          </a:stretch>
+        </p:blipFill>
+        <p:spPr>
+          <a:xfrm>
+            <a:off x="5477380" y="1038224"/>
+            <a:ext cx="2947670" cy="2390775"/>
+          </a:xfrm>
+          <a:prstGeom prst="rect">
+            <a:avLst/>
+          </a:prstGeom>
+        </p:spPr>
+      </p:pic>
+      <p:sp>
+        <p:nvSpPr>
+          <p:cNvPr id="7" name="TextBox 6">
+            <a:extLst>
+              <a:ext uri="{FF2B5EF4-FFF2-40B4-BE49-F238E27FC236}">
+                <a16:creationId xmlns:a16="http://schemas.microsoft.com/office/drawing/2014/main" id="{50552DD0-5C2D-485C-BC61-AEA60840672C}"/>
+              </a:ext>
+            </a:extLst>
+          </p:cNvPr>
+          <p:cNvSpPr txBox="1"/>
+          <p:nvPr/>
+        </p:nvSpPr>
+        <p:spPr>
+          <a:xfrm>
+            <a:off x="5282214" y="4039340"/>
+            <a:ext cx="3142836" cy="646331"/>
+          </a:xfrm>
+          <a:prstGeom prst="rect">
+            <a:avLst/>
+          </a:prstGeom>
+          <a:noFill/>
+        </p:spPr>
+        <p:txBody>
+          <a:bodyPr wrap="square" rtlCol="0">
+            <a:spAutoFit/>
+          </a:bodyPr>
+          <a:lstStyle/>
+          <a:p>
+            <a:r>
+              <a:rPr lang="en-US" dirty="0"/>
+              <a:t>These two pictures show the building of the gateway.</a:t>
+            </a:r>
+          </a:p>
+        </p:txBody>
+      </p:sp>
+    </p:spTree>
+    <p:extLst>
+      <p:ext uri="{BB962C8B-B14F-4D97-AF65-F5344CB8AC3E}">
+        <p14:creationId xmlns:p14="http://schemas.microsoft.com/office/powerpoint/2010/main" val="2540093233"/>
+      </p:ext>
+    </p:extLst>
+  </p:cSld>
+  <p:clrMapOvr>
+    <a:masterClrMapping/>
+  </p:clrMapOvr>
+</p:sld>
+</file>
+
+<file path=ppt/slides/slide13.xml><?xml version="1.0" encoding="utf-8"?>
+<p:sld xmlns:a="http://schemas.openxmlformats.org/drawingml/2006/main" xmlns:r="http://schemas.openxmlformats.org/officeDocument/2006/relationships" xmlns:p="http://schemas.openxmlformats.org/presentationml/2006/main">
+  <p:cSld>
+    <p:spTree>
+      <p:nvGrpSpPr>
+        <p:cNvPr id="1" name=""/>
+        <p:cNvGrpSpPr/>
+        <p:nvPr/>
+      </p:nvGrpSpPr>
+      <p:grpSpPr>
+        <a:xfrm>
+          <a:off x="0" y="0"/>
+          <a:ext cx="0" cy="0"/>
+          <a:chOff x="0" y="0"/>
+          <a:chExt cx="0" cy="0"/>
+        </a:xfrm>
+      </p:grpSpPr>
+      <p:sp>
+        <p:nvSpPr>
+          <p:cNvPr id="2" name="Title 1">
+            <a:extLst>
+              <a:ext uri="{FF2B5EF4-FFF2-40B4-BE49-F238E27FC236}">
+                <a16:creationId xmlns:a16="http://schemas.microsoft.com/office/drawing/2014/main" id="{36E01EA8-6592-423B-828C-17EC4CC0A239}"/>
+              </a:ext>
+            </a:extLst>
+          </p:cNvPr>
+          <p:cNvSpPr>
+            <a:spLocks noGrp="1"/>
+          </p:cNvSpPr>
+          <p:nvPr>
+            <p:ph type="title"/>
+          </p:nvPr>
+        </p:nvSpPr>
+        <p:spPr/>
+        <p:txBody>
+          <a:bodyPr>
+            <a:normAutofit fontScale="90000"/>
+          </a:bodyPr>
+          <a:lstStyle/>
+          <a:p>
+            <a:endParaRPr lang="en-US"/>
+          </a:p>
+        </p:txBody>
+      </p:sp>
+      <p:sp>
+        <p:nvSpPr>
+          <p:cNvPr id="4" name="Footer Placeholder 3">
+            <a:extLst>
+              <a:ext uri="{FF2B5EF4-FFF2-40B4-BE49-F238E27FC236}">
+                <a16:creationId xmlns:a16="http://schemas.microsoft.com/office/drawing/2014/main" id="{75CB40F1-0B7E-401F-8F88-C65CE64B7D1B}"/>
+              </a:ext>
+            </a:extLst>
+          </p:cNvPr>
+          <p:cNvSpPr>
+            <a:spLocks noGrp="1"/>
+          </p:cNvSpPr>
+          <p:nvPr>
+            <p:ph type="ftr" sz="quarter" idx="11"/>
+          </p:nvPr>
+        </p:nvSpPr>
+        <p:spPr/>
+        <p:txBody>
+          <a:bodyPr/>
+          <a:lstStyle/>
+          <a:p>
+            <a:r>
+              <a:rPr lang="en-US"/>
+              <a:t>CpE403 Advanced Embedded Systems</a:t>
+            </a:r>
+            <a:endParaRPr lang="en-US" dirty="0"/>
+          </a:p>
+        </p:txBody>
+      </p:sp>
+      <p:pic>
+        <p:nvPicPr>
+          <p:cNvPr id="5" name="Content Placeholder 4">
+            <a:extLst>
+              <a:ext uri="{FF2B5EF4-FFF2-40B4-BE49-F238E27FC236}">
+                <a16:creationId xmlns:a16="http://schemas.microsoft.com/office/drawing/2014/main" id="{470B90D3-AB28-4857-9010-35197F623074}"/>
+              </a:ext>
+            </a:extLst>
+          </p:cNvPr>
+          <p:cNvPicPr>
+            <a:picLocks noGrp="1"/>
+          </p:cNvPicPr>
+          <p:nvPr>
+            <p:ph idx="1"/>
+          </p:nvPr>
+        </p:nvPicPr>
+        <p:blipFill>
+          <a:blip r:embed="rId2"/>
+          <a:stretch>
+            <a:fillRect/>
+          </a:stretch>
+        </p:blipFill>
+        <p:spPr>
+          <a:xfrm>
+            <a:off x="140378" y="139839"/>
+            <a:ext cx="6916115" cy="1657581"/>
+          </a:xfrm>
+          <a:prstGeom prst="rect">
+            <a:avLst/>
+          </a:prstGeom>
+        </p:spPr>
+      </p:pic>
+      <p:pic>
+        <p:nvPicPr>
+          <p:cNvPr id="6" name="Picture 5">
+            <a:extLst>
+              <a:ext uri="{FF2B5EF4-FFF2-40B4-BE49-F238E27FC236}">
+                <a16:creationId xmlns:a16="http://schemas.microsoft.com/office/drawing/2014/main" id="{68B3001D-E6DC-4E87-860E-906A23A9C52E}"/>
+              </a:ext>
+            </a:extLst>
+          </p:cNvPr>
+          <p:cNvPicPr/>
+          <p:nvPr/>
+        </p:nvPicPr>
+        <p:blipFill>
+          <a:blip r:embed="rId3"/>
+          <a:stretch>
+            <a:fillRect/>
+          </a:stretch>
+        </p:blipFill>
+        <p:spPr>
+          <a:xfrm>
+            <a:off x="140378" y="2569528"/>
+            <a:ext cx="6482715" cy="1419225"/>
+          </a:xfrm>
+          <a:prstGeom prst="rect">
+            <a:avLst/>
+          </a:prstGeom>
+        </p:spPr>
+      </p:pic>
+      <p:pic>
+        <p:nvPicPr>
+          <p:cNvPr id="7" name="Picture 6">
+            <a:extLst>
+              <a:ext uri="{FF2B5EF4-FFF2-40B4-BE49-F238E27FC236}">
+                <a16:creationId xmlns:a16="http://schemas.microsoft.com/office/drawing/2014/main" id="{3CA1C9FB-AAE1-4014-8951-E9F9499C1632}"/>
+              </a:ext>
+            </a:extLst>
+          </p:cNvPr>
+          <p:cNvPicPr/>
+          <p:nvPr/>
+        </p:nvPicPr>
+        <p:blipFill>
+          <a:blip r:embed="rId4"/>
+          <a:stretch>
+            <a:fillRect/>
+          </a:stretch>
+        </p:blipFill>
+        <p:spPr>
+          <a:xfrm>
+            <a:off x="140378" y="4035978"/>
+            <a:ext cx="6316980" cy="2038350"/>
+          </a:xfrm>
+          <a:prstGeom prst="rect">
+            <a:avLst/>
+          </a:prstGeom>
+        </p:spPr>
+      </p:pic>
+      <p:sp>
+        <p:nvSpPr>
+          <p:cNvPr id="8" name="TextBox 7">
+            <a:extLst>
+              <a:ext uri="{FF2B5EF4-FFF2-40B4-BE49-F238E27FC236}">
+                <a16:creationId xmlns:a16="http://schemas.microsoft.com/office/drawing/2014/main" id="{EA6A12FC-8903-4E3D-A28F-36D50BD58A3C}"/>
+              </a:ext>
+            </a:extLst>
+          </p:cNvPr>
+          <p:cNvSpPr txBox="1"/>
+          <p:nvPr/>
+        </p:nvSpPr>
+        <p:spPr>
+          <a:xfrm>
+            <a:off x="310718" y="2015231"/>
+            <a:ext cx="5699465" cy="646331"/>
+          </a:xfrm>
+          <a:prstGeom prst="rect">
+            <a:avLst/>
+          </a:prstGeom>
+          <a:noFill/>
+        </p:spPr>
+        <p:txBody>
+          <a:bodyPr wrap="square" rtlCol="0">
+            <a:spAutoFit/>
+          </a:bodyPr>
+          <a:lstStyle/>
+          <a:p>
+            <a:r>
+              <a:rPr lang="en-US" dirty="0"/>
+              <a:t>The picture above shows the </a:t>
+            </a:r>
+            <a:r>
+              <a:rPr lang="en-US" dirty="0" err="1"/>
+              <a:t>ip</a:t>
+            </a:r>
+            <a:r>
+              <a:rPr lang="en-US" dirty="0"/>
+              <a:t> address to login to </a:t>
+            </a:r>
+            <a:r>
+              <a:rPr lang="en-US" dirty="0" err="1"/>
+              <a:t>to</a:t>
+            </a:r>
+            <a:r>
+              <a:rPr lang="en-US" dirty="0"/>
+              <a:t> see the display of the sensor information</a:t>
+            </a:r>
+          </a:p>
+        </p:txBody>
+      </p:sp>
+    </p:spTree>
+    <p:extLst>
+      <p:ext uri="{BB962C8B-B14F-4D97-AF65-F5344CB8AC3E}">
+        <p14:creationId xmlns:p14="http://schemas.microsoft.com/office/powerpoint/2010/main" val="3025956409"/>
+      </p:ext>
+    </p:extLst>
+  </p:cSld>
+  <p:clrMapOvr>
+    <a:masterClrMapping/>
+  </p:clrMapOvr>
+</p:sld>
+</file>
+
+<file path=ppt/slides/slide14.xml><?xml version="1.0" encoding="utf-8"?>
+<p:sld xmlns:a="http://schemas.openxmlformats.org/drawingml/2006/main" xmlns:r="http://schemas.openxmlformats.org/officeDocument/2006/relationships" xmlns:p="http://schemas.openxmlformats.org/presentationml/2006/main">
+  <p:cSld>
+    <p:spTree>
+      <p:nvGrpSpPr>
+        <p:cNvPr id="1" name=""/>
+        <p:cNvGrpSpPr/>
+        <p:nvPr/>
+      </p:nvGrpSpPr>
+      <p:grpSpPr>
+        <a:xfrm>
+          <a:off x="0" y="0"/>
+          <a:ext cx="0" cy="0"/>
+          <a:chOff x="0" y="0"/>
+          <a:chExt cx="0" cy="0"/>
+        </a:xfrm>
+      </p:grpSpPr>
+      <p:sp>
+        <p:nvSpPr>
+          <p:cNvPr id="2" name="Title 1">
+            <a:extLst>
+              <a:ext uri="{FF2B5EF4-FFF2-40B4-BE49-F238E27FC236}">
+                <a16:creationId xmlns:a16="http://schemas.microsoft.com/office/drawing/2014/main" id="{4EF60A9D-542C-4B03-867E-13115404D4EF}"/>
+              </a:ext>
+            </a:extLst>
+          </p:cNvPr>
+          <p:cNvSpPr>
+            <a:spLocks noGrp="1"/>
+          </p:cNvSpPr>
+          <p:nvPr>
+            <p:ph type="title"/>
+          </p:nvPr>
+        </p:nvSpPr>
+        <p:spPr/>
+        <p:txBody>
+          <a:bodyPr>
+            <a:normAutofit fontScale="90000"/>
+          </a:bodyPr>
+          <a:lstStyle/>
+          <a:p>
+            <a:endParaRPr lang="en-US"/>
+          </a:p>
+        </p:txBody>
+      </p:sp>
+      <p:sp>
+        <p:nvSpPr>
+          <p:cNvPr id="4" name="Footer Placeholder 3">
+            <a:extLst>
+              <a:ext uri="{FF2B5EF4-FFF2-40B4-BE49-F238E27FC236}">
+                <a16:creationId xmlns:a16="http://schemas.microsoft.com/office/drawing/2014/main" id="{FE94610D-08B2-44BA-95EA-C6F15FCDFFEE}"/>
+              </a:ext>
+            </a:extLst>
+          </p:cNvPr>
+          <p:cNvSpPr>
+            <a:spLocks noGrp="1"/>
+          </p:cNvSpPr>
+          <p:nvPr>
+            <p:ph type="ftr" sz="quarter" idx="11"/>
+          </p:nvPr>
+        </p:nvSpPr>
+        <p:spPr/>
+        <p:txBody>
+          <a:bodyPr/>
+          <a:lstStyle/>
+          <a:p>
+            <a:r>
+              <a:rPr lang="en-US"/>
+              <a:t>CpE403 Advanced Embedded Systems</a:t>
+            </a:r>
+            <a:endParaRPr lang="en-US" dirty="0"/>
+          </a:p>
+        </p:txBody>
+      </p:sp>
+      <p:pic>
+        <p:nvPicPr>
+          <p:cNvPr id="5" name="Content Placeholder 4">
+            <a:extLst>
+              <a:ext uri="{FF2B5EF4-FFF2-40B4-BE49-F238E27FC236}">
+                <a16:creationId xmlns:a16="http://schemas.microsoft.com/office/drawing/2014/main" id="{8E296B18-47D9-4022-96FC-5AFBFF899A95}"/>
+              </a:ext>
+            </a:extLst>
+          </p:cNvPr>
+          <p:cNvPicPr>
+            <a:picLocks noGrp="1"/>
+          </p:cNvPicPr>
+          <p:nvPr>
+            <p:ph idx="1"/>
+          </p:nvPr>
+        </p:nvPicPr>
+        <p:blipFill>
+          <a:blip r:embed="rId2"/>
+          <a:stretch>
+            <a:fillRect/>
+          </a:stretch>
+        </p:blipFill>
+        <p:spPr>
+          <a:xfrm>
+            <a:off x="113745" y="869032"/>
+            <a:ext cx="7886700" cy="2225816"/>
+          </a:xfrm>
+          <a:prstGeom prst="rect">
+            <a:avLst/>
+          </a:prstGeom>
+        </p:spPr>
+      </p:pic>
+      <p:sp>
+        <p:nvSpPr>
+          <p:cNvPr id="6" name="TextBox 5">
+            <a:extLst>
+              <a:ext uri="{FF2B5EF4-FFF2-40B4-BE49-F238E27FC236}">
+                <a16:creationId xmlns:a16="http://schemas.microsoft.com/office/drawing/2014/main" id="{E0171C89-EF14-4267-B536-EE26A81F5A09}"/>
+              </a:ext>
+            </a:extLst>
+          </p:cNvPr>
+          <p:cNvSpPr txBox="1"/>
+          <p:nvPr/>
+        </p:nvSpPr>
+        <p:spPr>
+          <a:xfrm>
+            <a:off x="781235" y="3429000"/>
+            <a:ext cx="6161103" cy="923330"/>
+          </a:xfrm>
+          <a:prstGeom prst="rect">
+            <a:avLst/>
+          </a:prstGeom>
+          <a:noFill/>
+        </p:spPr>
+        <p:txBody>
+          <a:bodyPr wrap="square" rtlCol="0">
+            <a:spAutoFit/>
+          </a:bodyPr>
+          <a:lstStyle/>
+          <a:p>
+            <a:r>
+              <a:rPr lang="en-US" dirty="0"/>
+              <a:t>The 3 pictures listed above show the sensor data being shown on the TI 15.4 gateway. There is two temperature sensor pictures with changed data and one with lux and humidity.</a:t>
+            </a:r>
+          </a:p>
+        </p:txBody>
+      </p:sp>
+    </p:spTree>
+    <p:extLst>
+      <p:ext uri="{BB962C8B-B14F-4D97-AF65-F5344CB8AC3E}">
+        <p14:creationId xmlns:p14="http://schemas.microsoft.com/office/powerpoint/2010/main" val="1597394139"/>
+      </p:ext>
+    </p:extLst>
+  </p:cSld>
+  <p:clrMapOvr>
+    <a:masterClrMapping/>
+  </p:clrMapOvr>
+</p:sld>
+</file>
+
+<file path=ppt/slides/slide15.xml><?xml version="1.0" encoding="utf-8"?>
+<p:sld xmlns:a="http://schemas.openxmlformats.org/drawingml/2006/main" xmlns:r="http://schemas.openxmlformats.org/officeDocument/2006/relationships" xmlns:p="http://schemas.openxmlformats.org/presentationml/2006/main">
+  <p:cSld>
+    <p:spTree>
+      <p:nvGrpSpPr>
+        <p:cNvPr id="1" name=""/>
+        <p:cNvGrpSpPr/>
+        <p:nvPr/>
+      </p:nvGrpSpPr>
+      <p:grpSpPr>
+        <a:xfrm>
+          <a:off x="0" y="0"/>
+          <a:ext cx="0" cy="0"/>
+          <a:chOff x="0" y="0"/>
+          <a:chExt cx="0" cy="0"/>
+        </a:xfrm>
+      </p:grpSpPr>
+      <p:sp>
+        <p:nvSpPr>
+          <p:cNvPr id="2" name="Title 1"/>
+          <p:cNvSpPr>
+            <a:spLocks noGrp="1"/>
+          </p:cNvSpPr>
+          <p:nvPr>
+            <p:ph type="title"/>
+          </p:nvPr>
+        </p:nvSpPr>
+        <p:spPr/>
+        <p:txBody>
+          <a:bodyPr>
+            <a:normAutofit fontScale="90000"/>
+          </a:bodyPr>
+          <a:lstStyle/>
+          <a:p>
             <a:r>
               <a:rPr lang="en-US" dirty="0"/>
               <a:t>Reference</a:t>
@@ -3940,7 +4813,29 @@
           <a:bodyPr/>
           <a:lstStyle/>
           <a:p>
-            <a:endParaRPr lang="en-US"/>
+            <a:r>
+              <a:rPr lang="en-US" dirty="0"/>
+              <a:t>Google</a:t>
+            </a:r>
+          </a:p>
+          <a:p>
+            <a:r>
+              <a:rPr lang="en-US" dirty="0"/>
+              <a:t>PDF’s provided</a:t>
+            </a:r>
+          </a:p>
+          <a:p>
+            <a:r>
+              <a:rPr lang="en-US" dirty="0"/>
+              <a:t>TI website and forums</a:t>
+            </a:r>
+          </a:p>
+          <a:p>
+            <a:r>
+              <a:rPr lang="en-US" dirty="0" err="1"/>
+              <a:t>StackOverflow</a:t>
+            </a:r>
+            <a:endParaRPr lang="en-US" dirty="0"/>
           </a:p>
         </p:txBody>
       </p:sp>
@@ -4168,12 +5063,6 @@
           <a:bodyPr/>
           <a:lstStyle/>
           <a:p>
-            <a:r>
-              <a:rPr lang="en-US" dirty="0"/>
-              <a:t>Outcome – result of your project?</a:t>
-            </a:r>
-          </a:p>
-          <a:p>
             <a:pPr lvl="1"/>
             <a:r>
               <a:rPr lang="en-US" i="1" dirty="0"/>
@@ -4394,6 +5283,38 @@
               <a:rPr lang="en-US" u="sng" dirty="0"/>
               <a:t>CCS for programming CC1350</a:t>
             </a:r>
+          </a:p>
+          <a:p>
+            <a:r>
+              <a:rPr lang="en-US" u="sng" dirty="0"/>
+              <a:t>Virtual Machine</a:t>
+            </a:r>
+          </a:p>
+          <a:p>
+            <a:r>
+              <a:rPr lang="en-US" u="sng" dirty="0"/>
+              <a:t>Ubuntu Linux</a:t>
+            </a:r>
+          </a:p>
+          <a:p>
+            <a:r>
+              <a:rPr lang="en-US" u="sng" dirty="0"/>
+              <a:t>TI 15.4 Stack SDK</a:t>
+            </a:r>
+          </a:p>
+          <a:p>
+            <a:r>
+              <a:rPr lang="en-US" u="sng" dirty="0"/>
+              <a:t>TI </a:t>
+            </a:r>
+            <a:r>
+              <a:rPr lang="en-US" u="sng" dirty="0" err="1"/>
+              <a:t>UniFlash</a:t>
+            </a:r>
+            <a:endParaRPr lang="en-US" u="sng" dirty="0"/>
+          </a:p>
+          <a:p>
+            <a:endParaRPr lang="en-US" u="sng" dirty="0"/>
           </a:p>
           <a:p>
             <a:endParaRPr lang="en-US" dirty="0"/>

--- a/Final/CpE403_Project_F2018.pptx
+++ b/Final/CpE403_Project_F2018.pptx
@@ -5,10 +5,10 @@
     <p:sldMasterId id="2147483672" r:id="rId1"/>
   </p:sldMasterIdLst>
   <p:notesMasterIdLst>
-    <p:notesMasterId r:id="rId17"/>
+    <p:notesMasterId r:id="rId15"/>
   </p:notesMasterIdLst>
   <p:handoutMasterIdLst>
-    <p:handoutMasterId r:id="rId18"/>
+    <p:handoutMasterId r:id="rId16"/>
   </p:handoutMasterIdLst>
   <p:sldIdLst>
     <p:sldId id="256" r:id="rId2"/>
@@ -23,9 +23,7 @@
     <p:sldId id="264" r:id="rId11"/>
     <p:sldId id="265" r:id="rId12"/>
     <p:sldId id="274" r:id="rId13"/>
-    <p:sldId id="275" r:id="rId14"/>
-    <p:sldId id="276" r:id="rId15"/>
-    <p:sldId id="266" r:id="rId16"/>
+    <p:sldId id="266" r:id="rId14"/>
   </p:sldIdLst>
   <p:sldSz cx="9144000" cy="6858000" type="screen4x3"/>
   <p:notesSz cx="6858000" cy="9144000"/>
@@ -143,259 +141,21 @@
 </p:presentation>
 </file>
 
-<file path=ppt/commentAuthors.xml><?xml version="1.0" encoding="utf-8"?>
-<p:cmAuthorLst xmlns:a="http://schemas.openxmlformats.org/drawingml/2006/main" xmlns:r="http://schemas.openxmlformats.org/officeDocument/2006/relationships" xmlns:p="http://schemas.openxmlformats.org/presentationml/2006/main">
-  <p:cmAuthor id="1" name="Trace Stewart" initials="TS" lastIdx="1" clrIdx="0">
-    <p:extLst>
-      <p:ext uri="{19B8F6BF-5375-455C-9EA6-DF929625EA0E}">
-        <p15:presenceInfo xmlns:p15="http://schemas.microsoft.com/office/powerpoint/2012/main" userId="989f3fb02cdb84b5" providerId="Windows Live"/>
-      </p:ext>
-    </p:extLst>
-  </p:cmAuthor>
-</p:cmAuthorLst>
-</file>
-
-<file path=ppt/revisionInfo.xml><?xml version="1.0" encoding="utf-8"?>
-<p1510:revInfo xmlns:a="http://schemas.openxmlformats.org/drawingml/2006/main" xmlns:r="http://schemas.openxmlformats.org/officeDocument/2006/relationships" xmlns:p1510="http://schemas.microsoft.com/office/powerpoint/2015/10/main">
-  <p1510:revLst>
-    <p1510:client id="{56665293-333D-41C3-903F-AF96546672C5}" v="15" dt="2018-12-12T02:31:58.709"/>
-  </p1510:revLst>
-</p1510:revInfo>
-</file>
-
 <file path=ppt/changesInfos/changesInfo1.xml><?xml version="1.0" encoding="utf-8"?>
 <pc:chgInfo xmlns:a="http://schemas.openxmlformats.org/drawingml/2006/main" xmlns:r="http://schemas.openxmlformats.org/officeDocument/2006/relationships" xmlns:ac="http://schemas.microsoft.com/office/drawing/2013/main/command" xmlns:pc="http://schemas.microsoft.com/office/powerpoint/2013/main/command">
   <pc:docChgLst>
-    <pc:chgData name="Trace Stewart" userId="989f3fb02cdb84b5" providerId="LiveId" clId="{56665293-333D-41C3-903F-AF96546672C5}"/>
-    <pc:docChg chg="custSel addSld modSld">
-      <pc:chgData name="Trace Stewart" userId="989f3fb02cdb84b5" providerId="LiveId" clId="{56665293-333D-41C3-903F-AF96546672C5}" dt="2018-12-12T02:32:45.905" v="688" actId="1076"/>
+    <pc:chgData name="Trace Stewart" userId="989f3fb02cdb84b5" providerId="LiveId" clId="{0C05A26D-B32F-4B66-BC5C-362AEDB0C72C}"/>
+    <pc:docChg chg="delSld">
+      <pc:chgData name="Trace Stewart" userId="989f3fb02cdb84b5" providerId="LiveId" clId="{0C05A26D-B32F-4B66-BC5C-362AEDB0C72C}" dt="2018-12-13T01:20:16.645" v="0" actId="2696"/>
       <pc:docMkLst>
         <pc:docMk/>
       </pc:docMkLst>
-      <pc:sldChg chg="modSp">
-        <pc:chgData name="Trace Stewart" userId="989f3fb02cdb84b5" providerId="LiveId" clId="{56665293-333D-41C3-903F-AF96546672C5}" dt="2018-12-12T02:25:01.216" v="73" actId="20577"/>
+      <pc:sldChg chg="del">
+        <pc:chgData name="Trace Stewart" userId="989f3fb02cdb84b5" providerId="LiveId" clId="{0C05A26D-B32F-4B66-BC5C-362AEDB0C72C}" dt="2018-12-13T01:20:16.645" v="0" actId="2696"/>
         <pc:sldMkLst>
           <pc:docMk/>
-          <pc:sldMk cId="1141629193" sldId="260"/>
+          <pc:sldMk cId="4160088722" sldId="261"/>
         </pc:sldMkLst>
-        <pc:spChg chg="mod">
-          <ac:chgData name="Trace Stewart" userId="989f3fb02cdb84b5" providerId="LiveId" clId="{56665293-333D-41C3-903F-AF96546672C5}" dt="2018-12-12T02:25:01.216" v="73" actId="20577"/>
-          <ac:spMkLst>
-            <pc:docMk/>
-            <pc:sldMk cId="1141629193" sldId="260"/>
-            <ac:spMk id="3" creationId="{00000000-0000-0000-0000-000000000000}"/>
-          </ac:spMkLst>
-        </pc:spChg>
-      </pc:sldChg>
-      <pc:sldChg chg="addSp delSp modSp">
-        <pc:chgData name="Trace Stewart" userId="989f3fb02cdb84b5" providerId="LiveId" clId="{56665293-333D-41C3-903F-AF96546672C5}" dt="2018-12-12T02:30:33.367" v="296" actId="1076"/>
-        <pc:sldMkLst>
-          <pc:docMk/>
-          <pc:sldMk cId="3572365159" sldId="265"/>
-        </pc:sldMkLst>
-        <pc:spChg chg="del mod">
-          <ac:chgData name="Trace Stewart" userId="989f3fb02cdb84b5" providerId="LiveId" clId="{56665293-333D-41C3-903F-AF96546672C5}" dt="2018-12-12T02:28:01.461" v="157"/>
-          <ac:spMkLst>
-            <pc:docMk/>
-            <pc:sldMk cId="3572365159" sldId="265"/>
-            <ac:spMk id="3" creationId="{00000000-0000-0000-0000-000000000000}"/>
-          </ac:spMkLst>
-        </pc:spChg>
-        <pc:spChg chg="add mod">
-          <ac:chgData name="Trace Stewart" userId="989f3fb02cdb84b5" providerId="LiveId" clId="{56665293-333D-41C3-903F-AF96546672C5}" dt="2018-12-12T02:30:33.367" v="296" actId="1076"/>
-          <ac:spMkLst>
-            <pc:docMk/>
-            <pc:sldMk cId="3572365159" sldId="265"/>
-            <ac:spMk id="7" creationId="{BC4D39C3-C01C-477F-954B-D6C1CBE5DCCE}"/>
-          </ac:spMkLst>
-        </pc:spChg>
-        <pc:picChg chg="add mod">
-          <ac:chgData name="Trace Stewart" userId="989f3fb02cdb84b5" providerId="LiveId" clId="{56665293-333D-41C3-903F-AF96546672C5}" dt="2018-12-12T02:28:05.580" v="159" actId="1076"/>
-          <ac:picMkLst>
-            <pc:docMk/>
-            <pc:sldMk cId="3572365159" sldId="265"/>
-            <ac:picMk id="5" creationId="{61741675-0A63-499D-B8C5-FF85B3C9C2D9}"/>
-          </ac:picMkLst>
-        </pc:picChg>
-        <pc:picChg chg="add mod">
-          <ac:chgData name="Trace Stewart" userId="989f3fb02cdb84b5" providerId="LiveId" clId="{56665293-333D-41C3-903F-AF96546672C5}" dt="2018-12-12T02:28:18.582" v="161" actId="1076"/>
-          <ac:picMkLst>
-            <pc:docMk/>
-            <pc:sldMk cId="3572365159" sldId="265"/>
-            <ac:picMk id="6" creationId="{9701AC87-5CF5-4822-BF23-FE851083F9A9}"/>
-          </ac:picMkLst>
-        </pc:picChg>
-      </pc:sldChg>
-      <pc:sldChg chg="modSp">
-        <pc:chgData name="Trace Stewart" userId="989f3fb02cdb84b5" providerId="LiveId" clId="{56665293-333D-41C3-903F-AF96546672C5}" dt="2018-12-12T02:27:09.148" v="155" actId="20577"/>
-        <pc:sldMkLst>
-          <pc:docMk/>
-          <pc:sldMk cId="534907234" sldId="266"/>
-        </pc:sldMkLst>
-        <pc:spChg chg="mod">
-          <ac:chgData name="Trace Stewart" userId="989f3fb02cdb84b5" providerId="LiveId" clId="{56665293-333D-41C3-903F-AF96546672C5}" dt="2018-12-12T02:27:09.148" v="155" actId="20577"/>
-          <ac:spMkLst>
-            <pc:docMk/>
-            <pc:sldMk cId="534907234" sldId="266"/>
-            <ac:spMk id="3" creationId="{00000000-0000-0000-0000-000000000000}"/>
-          </ac:spMkLst>
-        </pc:spChg>
-      </pc:sldChg>
-      <pc:sldChg chg="modSp">
-        <pc:chgData name="Trace Stewart" userId="989f3fb02cdb84b5" providerId="LiveId" clId="{56665293-333D-41C3-903F-AF96546672C5}" dt="2018-12-12T02:25:56.532" v="74" actId="20577"/>
-        <pc:sldMkLst>
-          <pc:docMk/>
-          <pc:sldMk cId="795469023" sldId="269"/>
-        </pc:sldMkLst>
-        <pc:spChg chg="mod">
-          <ac:chgData name="Trace Stewart" userId="989f3fb02cdb84b5" providerId="LiveId" clId="{56665293-333D-41C3-903F-AF96546672C5}" dt="2018-12-12T02:25:56.532" v="74" actId="20577"/>
-          <ac:spMkLst>
-            <pc:docMk/>
-            <pc:sldMk cId="795469023" sldId="269"/>
-            <ac:spMk id="3" creationId="{00000000-0000-0000-0000-000000000000}"/>
-          </ac:spMkLst>
-        </pc:spChg>
-      </pc:sldChg>
-      <pc:sldChg chg="addSp delSp modSp add">
-        <pc:chgData name="Trace Stewart" userId="989f3fb02cdb84b5" providerId="LiveId" clId="{56665293-333D-41C3-903F-AF96546672C5}" dt="2018-12-12T02:30:59.981" v="349" actId="20577"/>
-        <pc:sldMkLst>
-          <pc:docMk/>
-          <pc:sldMk cId="2540093233" sldId="274"/>
-        </pc:sldMkLst>
-        <pc:spChg chg="mod">
-          <ac:chgData name="Trace Stewart" userId="989f3fb02cdb84b5" providerId="LiveId" clId="{56665293-333D-41C3-903F-AF96546672C5}" dt="2018-12-12T02:28:24.372" v="163" actId="27636"/>
-          <ac:spMkLst>
-            <pc:docMk/>
-            <pc:sldMk cId="2540093233" sldId="274"/>
-            <ac:spMk id="2" creationId="{07F3D9A9-E4BE-4DED-8835-DF27B0CC9AC3}"/>
-          </ac:spMkLst>
-        </pc:spChg>
-        <pc:spChg chg="del">
-          <ac:chgData name="Trace Stewart" userId="989f3fb02cdb84b5" providerId="LiveId" clId="{56665293-333D-41C3-903F-AF96546672C5}" dt="2018-12-12T02:28:29.165" v="164"/>
-          <ac:spMkLst>
-            <pc:docMk/>
-            <pc:sldMk cId="2540093233" sldId="274"/>
-            <ac:spMk id="3" creationId="{63211E90-1704-473B-AA30-D31444AC4D8A}"/>
-          </ac:spMkLst>
-        </pc:spChg>
-        <pc:spChg chg="add mod">
-          <ac:chgData name="Trace Stewart" userId="989f3fb02cdb84b5" providerId="LiveId" clId="{56665293-333D-41C3-903F-AF96546672C5}" dt="2018-12-12T02:30:59.981" v="349" actId="20577"/>
-          <ac:spMkLst>
-            <pc:docMk/>
-            <pc:sldMk cId="2540093233" sldId="274"/>
-            <ac:spMk id="7" creationId="{50552DD0-5C2D-485C-BC61-AEA60840672C}"/>
-          </ac:spMkLst>
-        </pc:spChg>
-        <pc:picChg chg="add mod">
-          <ac:chgData name="Trace Stewart" userId="989f3fb02cdb84b5" providerId="LiveId" clId="{56665293-333D-41C3-903F-AF96546672C5}" dt="2018-12-12T02:28:31.074" v="165" actId="1076"/>
-          <ac:picMkLst>
-            <pc:docMk/>
-            <pc:sldMk cId="2540093233" sldId="274"/>
-            <ac:picMk id="5" creationId="{F89CE417-2783-446D-BFD2-CE0998A55CA5}"/>
-          </ac:picMkLst>
-        </pc:picChg>
-        <pc:picChg chg="add mod">
-          <ac:chgData name="Trace Stewart" userId="989f3fb02cdb84b5" providerId="LiveId" clId="{56665293-333D-41C3-903F-AF96546672C5}" dt="2018-12-12T02:28:35.836" v="167" actId="1076"/>
-          <ac:picMkLst>
-            <pc:docMk/>
-            <pc:sldMk cId="2540093233" sldId="274"/>
-            <ac:picMk id="6" creationId="{4470EDC2-56CA-4431-A38F-5614B2123E5D}"/>
-          </ac:picMkLst>
-        </pc:picChg>
-      </pc:sldChg>
-      <pc:sldChg chg="addSp delSp modSp add">
-        <pc:chgData name="Trace Stewart" userId="989f3fb02cdb84b5" providerId="LiveId" clId="{56665293-333D-41C3-903F-AF96546672C5}" dt="2018-12-12T02:31:40.746" v="457" actId="1076"/>
-        <pc:sldMkLst>
-          <pc:docMk/>
-          <pc:sldMk cId="3025956409" sldId="275"/>
-        </pc:sldMkLst>
-        <pc:spChg chg="mod">
-          <ac:chgData name="Trace Stewart" userId="989f3fb02cdb84b5" providerId="LiveId" clId="{56665293-333D-41C3-903F-AF96546672C5}" dt="2018-12-12T02:28:41.693" v="169" actId="27636"/>
-          <ac:spMkLst>
-            <pc:docMk/>
-            <pc:sldMk cId="3025956409" sldId="275"/>
-            <ac:spMk id="2" creationId="{36E01EA8-6592-423B-828C-17EC4CC0A239}"/>
-          </ac:spMkLst>
-        </pc:spChg>
-        <pc:spChg chg="del">
-          <ac:chgData name="Trace Stewart" userId="989f3fb02cdb84b5" providerId="LiveId" clId="{56665293-333D-41C3-903F-AF96546672C5}" dt="2018-12-12T02:28:46.319" v="170"/>
-          <ac:spMkLst>
-            <pc:docMk/>
-            <pc:sldMk cId="3025956409" sldId="275"/>
-            <ac:spMk id="3" creationId="{C505B75A-2F99-4429-99F8-581FCDCA2EA2}"/>
-          </ac:spMkLst>
-        </pc:spChg>
-        <pc:spChg chg="add mod">
-          <ac:chgData name="Trace Stewart" userId="989f3fb02cdb84b5" providerId="LiveId" clId="{56665293-333D-41C3-903F-AF96546672C5}" dt="2018-12-12T02:31:35.535" v="455" actId="20577"/>
-          <ac:spMkLst>
-            <pc:docMk/>
-            <pc:sldMk cId="3025956409" sldId="275"/>
-            <ac:spMk id="8" creationId="{EA6A12FC-8903-4E3D-A28F-36D50BD58A3C}"/>
-          </ac:spMkLst>
-        </pc:spChg>
-        <pc:picChg chg="add mod">
-          <ac:chgData name="Trace Stewart" userId="989f3fb02cdb84b5" providerId="LiveId" clId="{56665293-333D-41C3-903F-AF96546672C5}" dt="2018-12-12T02:28:49.723" v="172" actId="1076"/>
-          <ac:picMkLst>
-            <pc:docMk/>
-            <pc:sldMk cId="3025956409" sldId="275"/>
-            <ac:picMk id="5" creationId="{470B90D3-AB28-4857-9010-35197F623074}"/>
-          </ac:picMkLst>
-        </pc:picChg>
-        <pc:picChg chg="add mod">
-          <ac:chgData name="Trace Stewart" userId="989f3fb02cdb84b5" providerId="LiveId" clId="{56665293-333D-41C3-903F-AF96546672C5}" dt="2018-12-12T02:31:39.562" v="456" actId="1076"/>
-          <ac:picMkLst>
-            <pc:docMk/>
-            <pc:sldMk cId="3025956409" sldId="275"/>
-            <ac:picMk id="6" creationId="{68B3001D-E6DC-4E87-860E-906A23A9C52E}"/>
-          </ac:picMkLst>
-        </pc:picChg>
-        <pc:picChg chg="add mod">
-          <ac:chgData name="Trace Stewart" userId="989f3fb02cdb84b5" providerId="LiveId" clId="{56665293-333D-41C3-903F-AF96546672C5}" dt="2018-12-12T02:31:40.746" v="457" actId="1076"/>
-          <ac:picMkLst>
-            <pc:docMk/>
-            <pc:sldMk cId="3025956409" sldId="275"/>
-            <ac:picMk id="7" creationId="{3CA1C9FB-AAE1-4014-8951-E9F9499C1632}"/>
-          </ac:picMkLst>
-        </pc:picChg>
-      </pc:sldChg>
-      <pc:sldChg chg="addSp delSp modSp add">
-        <pc:chgData name="Trace Stewart" userId="989f3fb02cdb84b5" providerId="LiveId" clId="{56665293-333D-41C3-903F-AF96546672C5}" dt="2018-12-12T02:32:45.905" v="688" actId="1076"/>
-        <pc:sldMkLst>
-          <pc:docMk/>
-          <pc:sldMk cId="1597394139" sldId="276"/>
-        </pc:sldMkLst>
-        <pc:spChg chg="mod">
-          <ac:chgData name="Trace Stewart" userId="989f3fb02cdb84b5" providerId="LiveId" clId="{56665293-333D-41C3-903F-AF96546672C5}" dt="2018-12-12T02:29:09.227" v="178" actId="27636"/>
-          <ac:spMkLst>
-            <pc:docMk/>
-            <pc:sldMk cId="1597394139" sldId="276"/>
-            <ac:spMk id="2" creationId="{4EF60A9D-542C-4B03-867E-13115404D4EF}"/>
-          </ac:spMkLst>
-        </pc:spChg>
-        <pc:spChg chg="del">
-          <ac:chgData name="Trace Stewart" userId="989f3fb02cdb84b5" providerId="LiveId" clId="{56665293-333D-41C3-903F-AF96546672C5}" dt="2018-12-12T02:29:12.124" v="179"/>
-          <ac:spMkLst>
-            <pc:docMk/>
-            <pc:sldMk cId="1597394139" sldId="276"/>
-            <ac:spMk id="3" creationId="{FAE9ACC4-0347-4D3C-88C7-73C2B7FF6FFB}"/>
-          </ac:spMkLst>
-        </pc:spChg>
-        <pc:spChg chg="add mod">
-          <ac:chgData name="Trace Stewart" userId="989f3fb02cdb84b5" providerId="LiveId" clId="{56665293-333D-41C3-903F-AF96546672C5}" dt="2018-12-12T02:32:45.905" v="688" actId="1076"/>
-          <ac:spMkLst>
-            <pc:docMk/>
-            <pc:sldMk cId="1597394139" sldId="276"/>
-            <ac:spMk id="6" creationId="{E0171C89-EF14-4267-B536-EE26A81F5A09}"/>
-          </ac:spMkLst>
-        </pc:spChg>
-        <pc:picChg chg="add mod">
-          <ac:chgData name="Trace Stewart" userId="989f3fb02cdb84b5" providerId="LiveId" clId="{56665293-333D-41C3-903F-AF96546672C5}" dt="2018-12-12T02:31:49.903" v="459" actId="1076"/>
-          <ac:picMkLst>
-            <pc:docMk/>
-            <pc:sldMk cId="1597394139" sldId="276"/>
-            <ac:picMk id="5" creationId="{8E296B18-47D9-4022-96FC-5AFBFF899A95}"/>
-          </ac:picMkLst>
-        </pc:picChg>
       </pc:sldChg>
     </pc:docChg>
   </pc:docChgLst>
@@ -484,7 +244,7 @@
           <a:p>
             <a:fld id="{09B4B725-7F78-CC42-BFAB-86511518090A}" type="datetime1">
               <a:rPr lang="en-US" smtClean="0"/>
-              <a:t>12/11/2018</a:t>
+              <a:t>12/12/2018</a:t>
             </a:fld>
             <a:endParaRPr lang="en-US"/>
           </a:p>
@@ -650,7 +410,7 @@
           <a:p>
             <a:fld id="{91406FE7-D2B7-0C43-9C06-F1048BFF5817}" type="datetime1">
               <a:rPr lang="en-US" smtClean="0"/>
-              <a:t>12/11/2018</a:t>
+              <a:t>12/12/2018</a:t>
             </a:fld>
             <a:endParaRPr lang="en-US"/>
           </a:p>
@@ -3425,7 +3185,7 @@
             <a:fld id="{8EB9D111-03B8-F446-8E09-256243E54565}" type="datetimeFigureOut">
               <a:rPr lang="en-US" smtClean="0"/>
               <a:pPr/>
-              <a:t>12/11/2018</a:t>
+              <a:t>12/12/2018</a:t>
             </a:fld>
             <a:endParaRPr lang="en-US"/>
           </a:p>
@@ -3864,7 +3624,14 @@
           <a:p>
             <a:r>
               <a:rPr lang="en-US" dirty="0"/>
-              <a:t>CpE 403 Final Project</a:t>
+              <a:t>CPE 403 Final Project</a:t>
+            </a:r>
+            <a:br>
+              <a:rPr lang="en-US" dirty="0"/>
+            </a:br>
+            <a:r>
+              <a:rPr lang="en-US" dirty="0"/>
+              <a:t>BBB &amp; TI WSN</a:t>
             </a:r>
           </a:p>
         </p:txBody>
@@ -3887,13 +3654,19 @@
         </p:spPr>
         <p:txBody>
           <a:bodyPr>
-            <a:normAutofit/>
+            <a:normAutofit fontScale="85000" lnSpcReduction="20000"/>
           </a:bodyPr>
           <a:lstStyle/>
           <a:p>
             <a:r>
               <a:rPr lang="en-US" sz="4000" dirty="0"/>
-              <a:t>Trace Stewart, Guillermo Galvez</a:t>
+              <a:t>Guillermo Gálvez</a:t>
+            </a:r>
+          </a:p>
+          <a:p>
+            <a:r>
+              <a:rPr lang="en-US" sz="4000" dirty="0"/>
+              <a:t>Trace Stewart</a:t>
             </a:r>
           </a:p>
         </p:txBody>
@@ -3967,17 +3740,15 @@
           <a:bodyPr/>
           <a:lstStyle/>
           <a:p>
+            <a:pPr marL="0" indent="0">
+              <a:buNone/>
+            </a:pPr>
+            <a:endParaRPr lang="en-US" dirty="0"/>
+          </a:p>
+          <a:p>
             <a:r>
               <a:rPr lang="en-US" dirty="0"/>
-              <a:t>Video link only – don</a:t>
-            </a:r>
-            <a:r>
-              <a:rPr lang="uk-UA" dirty="0"/>
-              <a:t>’</a:t>
-            </a:r>
-            <a:r>
-              <a:rPr lang="en-US" dirty="0"/>
-              <a:t>t embed video</a:t>
+              <a:t>https://youtu.be/EgVLK8sW9gU</a:t>
             </a:r>
           </a:p>
         </p:txBody>
@@ -4058,21 +3829,88 @@
           </a:p>
         </p:txBody>
       </p:sp>
+      <p:sp>
+        <p:nvSpPr>
+          <p:cNvPr id="3" name="Content Placeholder 2"/>
+          <p:cNvSpPr>
+            <a:spLocks noGrp="1"/>
+          </p:cNvSpPr>
+          <p:nvPr>
+            <p:ph idx="1"/>
+          </p:nvPr>
+        </p:nvSpPr>
+        <p:spPr/>
+        <p:txBody>
+          <a:bodyPr/>
+          <a:lstStyle/>
+          <a:p>
+            <a:r>
+              <a:rPr lang="en-US" dirty="0"/>
+              <a:t>Fig 1: Shows the gateway layout from hex file give in sample.</a:t>
+            </a:r>
+          </a:p>
+          <a:p>
+            <a:endParaRPr lang="en-US" dirty="0"/>
+          </a:p>
+          <a:p>
+            <a:endParaRPr lang="en-US" dirty="0"/>
+          </a:p>
+          <a:p>
+            <a:endParaRPr lang="en-US" dirty="0"/>
+          </a:p>
+          <a:p>
+            <a:endParaRPr lang="en-US" dirty="0"/>
+          </a:p>
+          <a:p>
+            <a:endParaRPr lang="en-US" dirty="0"/>
+          </a:p>
+          <a:p>
+            <a:r>
+              <a:rPr lang="en-US" dirty="0"/>
+              <a:t>Fig 2: Shows gateway layout from hex file compiled in CCS</a:t>
+            </a:r>
+          </a:p>
+          <a:p>
+            <a:r>
+              <a:rPr lang="en-US" dirty="0"/>
+              <a:t> </a:t>
+            </a:r>
+          </a:p>
+        </p:txBody>
+      </p:sp>
+      <p:sp>
+        <p:nvSpPr>
+          <p:cNvPr id="4" name="Footer Placeholder 3"/>
+          <p:cNvSpPr>
+            <a:spLocks noGrp="1"/>
+          </p:cNvSpPr>
+          <p:nvPr>
+            <p:ph type="ftr" sz="quarter" idx="11"/>
+          </p:nvPr>
+        </p:nvSpPr>
+        <p:spPr/>
+        <p:txBody>
+          <a:bodyPr/>
+          <a:lstStyle/>
+          <a:p>
+            <a:r>
+              <a:rPr kumimoji="0" lang="en-US"/>
+              <a:t>CpE403 Advanced Embedded Systems</a:t>
+            </a:r>
+          </a:p>
+        </p:txBody>
+      </p:sp>
       <p:pic>
         <p:nvPicPr>
-          <p:cNvPr id="5" name="Content Placeholder 4">
+          <p:cNvPr id="6" name="Picture 5">
             <a:extLst>
               <a:ext uri="{FF2B5EF4-FFF2-40B4-BE49-F238E27FC236}">
-                <a16:creationId xmlns:a16="http://schemas.microsoft.com/office/drawing/2014/main" id="{61741675-0A63-499D-B8C5-FF85B3C9C2D9}"/>
+                <a16:creationId xmlns:a16="http://schemas.microsoft.com/office/drawing/2014/main" id="{26E3BFC8-A115-41C0-8DBD-13997E71B7C3}"/>
               </a:ext>
             </a:extLst>
           </p:cNvPr>
-          <p:cNvPicPr>
-            <a:picLocks noGrp="1" noChangeAspect="1"/>
-          </p:cNvPicPr>
-          <p:nvPr>
-            <p:ph idx="1"/>
-          </p:nvPr>
+          <p:cNvPicPr/>
+          <p:nvPr/>
         </p:nvPicPr>
         <p:blipFill>
           <a:blip r:embed="rId2"/>
@@ -4082,48 +3920,24 @@
         </p:blipFill>
         <p:spPr>
           <a:xfrm>
-            <a:off x="344515" y="768626"/>
-            <a:ext cx="3359187" cy="3517697"/>
+            <a:off x="905934" y="1670452"/>
+            <a:ext cx="4969933" cy="968246"/>
           </a:xfrm>
           <a:prstGeom prst="rect">
             <a:avLst/>
           </a:prstGeom>
         </p:spPr>
       </p:pic>
-      <p:sp>
-        <p:nvSpPr>
-          <p:cNvPr id="4" name="Footer Placeholder 3"/>
-          <p:cNvSpPr>
-            <a:spLocks noGrp="1"/>
-          </p:cNvSpPr>
-          <p:nvPr>
-            <p:ph type="ftr" sz="quarter" idx="11"/>
-          </p:nvPr>
-        </p:nvSpPr>
-        <p:spPr/>
-        <p:txBody>
-          <a:bodyPr/>
-          <a:lstStyle/>
-          <a:p>
-            <a:r>
-              <a:rPr kumimoji="0" lang="en-US"/>
-              <a:t>CpE403 Advanced Embedded Systems</a:t>
-            </a:r>
-          </a:p>
-        </p:txBody>
-      </p:sp>
       <p:pic>
         <p:nvPicPr>
-          <p:cNvPr id="6" name="Picture 5">
+          <p:cNvPr id="7" name="Picture 6">
             <a:extLst>
               <a:ext uri="{FF2B5EF4-FFF2-40B4-BE49-F238E27FC236}">
-                <a16:creationId xmlns:a16="http://schemas.microsoft.com/office/drawing/2014/main" id="{9701AC87-5CF5-4822-BF23-FE851083F9A9}"/>
+                <a16:creationId xmlns:a16="http://schemas.microsoft.com/office/drawing/2014/main" id="{F7CB14EF-AFC1-47F1-BB39-7E9961B15D31}"/>
               </a:ext>
             </a:extLst>
           </p:cNvPr>
-          <p:cNvPicPr>
-            <a:picLocks noChangeAspect="1"/>
-          </p:cNvPicPr>
+          <p:cNvPicPr/>
           <p:nvPr/>
         </p:nvPicPr>
         <p:blipFill>
@@ -4134,57 +3948,42 @@
         </p:blipFill>
         <p:spPr>
           <a:xfrm>
-            <a:off x="3987837" y="768626"/>
-            <a:ext cx="3828620" cy="3036071"/>
+            <a:off x="905934" y="2757968"/>
+            <a:ext cx="4969933" cy="1461335"/>
           </a:xfrm>
           <a:prstGeom prst="rect">
             <a:avLst/>
           </a:prstGeom>
         </p:spPr>
       </p:pic>
-      <p:sp>
-        <p:nvSpPr>
-          <p:cNvPr id="7" name="TextBox 6">
+      <p:pic>
+        <p:nvPicPr>
+          <p:cNvPr id="8" name="Picture 7">
             <a:extLst>
               <a:ext uri="{FF2B5EF4-FFF2-40B4-BE49-F238E27FC236}">
-                <a16:creationId xmlns:a16="http://schemas.microsoft.com/office/drawing/2014/main" id="{BC4D39C3-C01C-477F-954B-D6C1CBE5DCCE}"/>
+                <a16:creationId xmlns:a16="http://schemas.microsoft.com/office/drawing/2014/main" id="{1E80EA05-31A0-40F6-AF62-DA7AE8C6D6B8}"/>
               </a:ext>
             </a:extLst>
           </p:cNvPr>
-          <p:cNvSpPr txBox="1"/>
+          <p:cNvPicPr/>
           <p:nvPr/>
-        </p:nvSpPr>
+        </p:nvPicPr>
+        <p:blipFill>
+          <a:blip r:embed="rId4"/>
+          <a:stretch>
+            <a:fillRect/>
+          </a:stretch>
+        </p:blipFill>
         <p:spPr>
           <a:xfrm>
-            <a:off x="1576896" y="4515883"/>
-            <a:ext cx="5131293" cy="646331"/>
+            <a:off x="905934" y="5187548"/>
+            <a:ext cx="5884333" cy="1530613"/>
           </a:xfrm>
           <a:prstGeom prst="rect">
             <a:avLst/>
           </a:prstGeom>
-          <a:noFill/>
         </p:spPr>
-        <p:txBody>
-          <a:bodyPr wrap="square" rtlCol="0">
-            <a:spAutoFit/>
-          </a:bodyPr>
-          <a:lstStyle/>
-          <a:p>
-            <a:r>
-              <a:rPr lang="en-US" dirty="0"/>
-              <a:t>These two pictures above show us getting the </a:t>
-            </a:r>
-            <a:r>
-              <a:rPr lang="en-US" dirty="0" err="1"/>
-              <a:t>ip</a:t>
-            </a:r>
-            <a:r>
-              <a:rPr lang="en-US" dirty="0"/>
-              <a:t> address of the BBB.</a:t>
-            </a:r>
-          </a:p>
-        </p:txBody>
-      </p:sp>
+      </p:pic>
     </p:spTree>
     <p:extLst>
       <p:ext uri="{BB962C8B-B14F-4D97-AF65-F5344CB8AC3E}">
@@ -4220,7 +4019,7 @@
           <p:cNvPr id="2" name="Title 1">
             <a:extLst>
               <a:ext uri="{FF2B5EF4-FFF2-40B4-BE49-F238E27FC236}">
-                <a16:creationId xmlns:a16="http://schemas.microsoft.com/office/drawing/2014/main" id="{07F3D9A9-E4BE-4DED-8835-DF27B0CC9AC3}"/>
+                <a16:creationId xmlns:a16="http://schemas.microsoft.com/office/drawing/2014/main" id="{0A4B96CE-B492-42FB-9495-F17F9ED58CF9}"/>
               </a:ext>
             </a:extLst>
           </p:cNvPr>
@@ -4238,7 +4037,49 @@
           </a:bodyPr>
           <a:lstStyle/>
           <a:p>
-            <a:endParaRPr lang="en-US"/>
+            <a:r>
+              <a:rPr lang="en-US" dirty="0"/>
+              <a:t>Results and Conclusions</a:t>
+            </a:r>
+          </a:p>
+        </p:txBody>
+      </p:sp>
+      <p:sp>
+        <p:nvSpPr>
+          <p:cNvPr id="3" name="Content Placeholder 2">
+            <a:extLst>
+              <a:ext uri="{FF2B5EF4-FFF2-40B4-BE49-F238E27FC236}">
+                <a16:creationId xmlns:a16="http://schemas.microsoft.com/office/drawing/2014/main" id="{D51420B9-7F3D-445C-84E8-A4F6697A94E5}"/>
+              </a:ext>
+            </a:extLst>
+          </p:cNvPr>
+          <p:cNvSpPr>
+            <a:spLocks noGrp="1"/>
+          </p:cNvSpPr>
+          <p:nvPr>
+            <p:ph idx="1"/>
+          </p:nvPr>
+        </p:nvSpPr>
+        <p:spPr/>
+        <p:txBody>
+          <a:bodyPr/>
+          <a:lstStyle/>
+          <a:p>
+            <a:r>
+              <a:rPr lang="en-US" dirty="0"/>
+              <a:t>Since we did not have a sensor booster pack we did not receive any data for the lux and humidity. However, by changing the following code and interfacing stand alone sensors with the ADC on the CC1350 it is possible to utilize the additional categories in the gateway. Do to time restraints we did not have the opportunity to experiment with this. </a:t>
+            </a:r>
+            <a:r>
+              <a:rPr lang="en-US" dirty="0" err="1"/>
+              <a:t>Posssible</a:t>
+            </a:r>
+            <a:r>
+              <a:rPr lang="en-US" dirty="0"/>
+              <a:t> future work.</a:t>
+            </a:r>
+          </a:p>
+          <a:p>
+            <a:endParaRPr lang="en-US" dirty="0"/>
           </a:p>
         </p:txBody>
       </p:sp>
@@ -4247,7 +4088,7 @@
           <p:cNvPr id="4" name="Footer Placeholder 3">
             <a:extLst>
               <a:ext uri="{FF2B5EF4-FFF2-40B4-BE49-F238E27FC236}">
-                <a16:creationId xmlns:a16="http://schemas.microsoft.com/office/drawing/2014/main" id="{27E16323-A3D7-47D0-9790-F28714B19FFB}"/>
+                <a16:creationId xmlns:a16="http://schemas.microsoft.com/office/drawing/2014/main" id="{589FBB2C-9E47-4B13-870E-749C5516483D}"/>
               </a:ext>
             </a:extLst>
           </p:cNvPr>
@@ -4273,19 +4114,17 @@
       </p:sp>
       <p:pic>
         <p:nvPicPr>
-          <p:cNvPr id="5" name="Content Placeholder 4">
+          <p:cNvPr id="5" name="Picture 4">
             <a:extLst>
               <a:ext uri="{FF2B5EF4-FFF2-40B4-BE49-F238E27FC236}">
-                <a16:creationId xmlns:a16="http://schemas.microsoft.com/office/drawing/2014/main" id="{F89CE417-2783-446D-BFD2-CE0998A55CA5}"/>
+                <a16:creationId xmlns:a16="http://schemas.microsoft.com/office/drawing/2014/main" id="{65107957-A5DF-41EF-A3C8-B861E8AC23C5}"/>
               </a:ext>
             </a:extLst>
           </p:cNvPr>
           <p:cNvPicPr>
-            <a:picLocks noGrp="1"/>
+            <a:picLocks noChangeAspect="1"/>
           </p:cNvPicPr>
-          <p:nvPr>
-            <p:ph idx="1"/>
-          </p:nvPr>
+          <p:nvPr/>
         </p:nvPicPr>
         <p:blipFill>
           <a:blip r:embed="rId2"/>
@@ -4295,81 +4134,18 @@
         </p:blipFill>
         <p:spPr>
           <a:xfrm>
-            <a:off x="322726" y="887414"/>
-            <a:ext cx="4752169" cy="5468937"/>
+            <a:off x="800267" y="4053044"/>
+            <a:ext cx="5172797" cy="1781424"/>
           </a:xfrm>
           <a:prstGeom prst="rect">
             <a:avLst/>
           </a:prstGeom>
         </p:spPr>
       </p:pic>
-      <p:pic>
-        <p:nvPicPr>
-          <p:cNvPr id="6" name="Picture 5">
-            <a:extLst>
-              <a:ext uri="{FF2B5EF4-FFF2-40B4-BE49-F238E27FC236}">
-                <a16:creationId xmlns:a16="http://schemas.microsoft.com/office/drawing/2014/main" id="{4470EDC2-56CA-4431-A38F-5614B2123E5D}"/>
-              </a:ext>
-            </a:extLst>
-          </p:cNvPr>
-          <p:cNvPicPr/>
-          <p:nvPr/>
-        </p:nvPicPr>
-        <p:blipFill>
-          <a:blip r:embed="rId3"/>
-          <a:stretch>
-            <a:fillRect/>
-          </a:stretch>
-        </p:blipFill>
-        <p:spPr>
-          <a:xfrm>
-            <a:off x="5477380" y="1038224"/>
-            <a:ext cx="2947670" cy="2390775"/>
-          </a:xfrm>
-          <a:prstGeom prst="rect">
-            <a:avLst/>
-          </a:prstGeom>
-        </p:spPr>
-      </p:pic>
-      <p:sp>
-        <p:nvSpPr>
-          <p:cNvPr id="7" name="TextBox 6">
-            <a:extLst>
-              <a:ext uri="{FF2B5EF4-FFF2-40B4-BE49-F238E27FC236}">
-                <a16:creationId xmlns:a16="http://schemas.microsoft.com/office/drawing/2014/main" id="{50552DD0-5C2D-485C-BC61-AEA60840672C}"/>
-              </a:ext>
-            </a:extLst>
-          </p:cNvPr>
-          <p:cNvSpPr txBox="1"/>
-          <p:nvPr/>
-        </p:nvSpPr>
-        <p:spPr>
-          <a:xfrm>
-            <a:off x="5282214" y="4039340"/>
-            <a:ext cx="3142836" cy="646331"/>
-          </a:xfrm>
-          <a:prstGeom prst="rect">
-            <a:avLst/>
-          </a:prstGeom>
-          <a:noFill/>
-        </p:spPr>
-        <p:txBody>
-          <a:bodyPr wrap="square" rtlCol="0">
-            <a:spAutoFit/>
-          </a:bodyPr>
-          <a:lstStyle/>
-          <a:p>
-            <a:r>
-              <a:rPr lang="en-US" dirty="0"/>
-              <a:t>These two pictures show the building of the gateway.</a:t>
-            </a:r>
-          </a:p>
-        </p:txBody>
-      </p:sp>
     </p:spTree>
     <p:extLst>
       <p:ext uri="{BB962C8B-B14F-4D97-AF65-F5344CB8AC3E}">
-        <p14:creationId xmlns:p14="http://schemas.microsoft.com/office/powerpoint/2010/main" val="2540093233"/>
+        <p14:creationId xmlns:p14="http://schemas.microsoft.com/office/powerpoint/2010/main" val="416999774"/>
       </p:ext>
     </p:extLst>
   </p:cSld>
@@ -4398,13 +4174,7 @@
       </p:grpSpPr>
       <p:sp>
         <p:nvSpPr>
-          <p:cNvPr id="2" name="Title 1">
-            <a:extLst>
-              <a:ext uri="{FF2B5EF4-FFF2-40B4-BE49-F238E27FC236}">
-                <a16:creationId xmlns:a16="http://schemas.microsoft.com/office/drawing/2014/main" id="{36E01EA8-6592-423B-828C-17EC4CC0A239}"/>
-              </a:ext>
-            </a:extLst>
-          </p:cNvPr>
+          <p:cNvPr id="2" name="Title 1"/>
           <p:cNvSpPr>
             <a:spLocks noGrp="1"/>
           </p:cNvSpPr>
@@ -4419,378 +4189,6 @@
           </a:bodyPr>
           <a:lstStyle/>
           <a:p>
-            <a:endParaRPr lang="en-US"/>
-          </a:p>
-        </p:txBody>
-      </p:sp>
-      <p:sp>
-        <p:nvSpPr>
-          <p:cNvPr id="4" name="Footer Placeholder 3">
-            <a:extLst>
-              <a:ext uri="{FF2B5EF4-FFF2-40B4-BE49-F238E27FC236}">
-                <a16:creationId xmlns:a16="http://schemas.microsoft.com/office/drawing/2014/main" id="{75CB40F1-0B7E-401F-8F88-C65CE64B7D1B}"/>
-              </a:ext>
-            </a:extLst>
-          </p:cNvPr>
-          <p:cNvSpPr>
-            <a:spLocks noGrp="1"/>
-          </p:cNvSpPr>
-          <p:nvPr>
-            <p:ph type="ftr" sz="quarter" idx="11"/>
-          </p:nvPr>
-        </p:nvSpPr>
-        <p:spPr/>
-        <p:txBody>
-          <a:bodyPr/>
-          <a:lstStyle/>
-          <a:p>
-            <a:r>
-              <a:rPr lang="en-US"/>
-              <a:t>CpE403 Advanced Embedded Systems</a:t>
-            </a:r>
-            <a:endParaRPr lang="en-US" dirty="0"/>
-          </a:p>
-        </p:txBody>
-      </p:sp>
-      <p:pic>
-        <p:nvPicPr>
-          <p:cNvPr id="5" name="Content Placeholder 4">
-            <a:extLst>
-              <a:ext uri="{FF2B5EF4-FFF2-40B4-BE49-F238E27FC236}">
-                <a16:creationId xmlns:a16="http://schemas.microsoft.com/office/drawing/2014/main" id="{470B90D3-AB28-4857-9010-35197F623074}"/>
-              </a:ext>
-            </a:extLst>
-          </p:cNvPr>
-          <p:cNvPicPr>
-            <a:picLocks noGrp="1"/>
-          </p:cNvPicPr>
-          <p:nvPr>
-            <p:ph idx="1"/>
-          </p:nvPr>
-        </p:nvPicPr>
-        <p:blipFill>
-          <a:blip r:embed="rId2"/>
-          <a:stretch>
-            <a:fillRect/>
-          </a:stretch>
-        </p:blipFill>
-        <p:spPr>
-          <a:xfrm>
-            <a:off x="140378" y="139839"/>
-            <a:ext cx="6916115" cy="1657581"/>
-          </a:xfrm>
-          <a:prstGeom prst="rect">
-            <a:avLst/>
-          </a:prstGeom>
-        </p:spPr>
-      </p:pic>
-      <p:pic>
-        <p:nvPicPr>
-          <p:cNvPr id="6" name="Picture 5">
-            <a:extLst>
-              <a:ext uri="{FF2B5EF4-FFF2-40B4-BE49-F238E27FC236}">
-                <a16:creationId xmlns:a16="http://schemas.microsoft.com/office/drawing/2014/main" id="{68B3001D-E6DC-4E87-860E-906A23A9C52E}"/>
-              </a:ext>
-            </a:extLst>
-          </p:cNvPr>
-          <p:cNvPicPr/>
-          <p:nvPr/>
-        </p:nvPicPr>
-        <p:blipFill>
-          <a:blip r:embed="rId3"/>
-          <a:stretch>
-            <a:fillRect/>
-          </a:stretch>
-        </p:blipFill>
-        <p:spPr>
-          <a:xfrm>
-            <a:off x="140378" y="2569528"/>
-            <a:ext cx="6482715" cy="1419225"/>
-          </a:xfrm>
-          <a:prstGeom prst="rect">
-            <a:avLst/>
-          </a:prstGeom>
-        </p:spPr>
-      </p:pic>
-      <p:pic>
-        <p:nvPicPr>
-          <p:cNvPr id="7" name="Picture 6">
-            <a:extLst>
-              <a:ext uri="{FF2B5EF4-FFF2-40B4-BE49-F238E27FC236}">
-                <a16:creationId xmlns:a16="http://schemas.microsoft.com/office/drawing/2014/main" id="{3CA1C9FB-AAE1-4014-8951-E9F9499C1632}"/>
-              </a:ext>
-            </a:extLst>
-          </p:cNvPr>
-          <p:cNvPicPr/>
-          <p:nvPr/>
-        </p:nvPicPr>
-        <p:blipFill>
-          <a:blip r:embed="rId4"/>
-          <a:stretch>
-            <a:fillRect/>
-          </a:stretch>
-        </p:blipFill>
-        <p:spPr>
-          <a:xfrm>
-            <a:off x="140378" y="4035978"/>
-            <a:ext cx="6316980" cy="2038350"/>
-          </a:xfrm>
-          <a:prstGeom prst="rect">
-            <a:avLst/>
-          </a:prstGeom>
-        </p:spPr>
-      </p:pic>
-      <p:sp>
-        <p:nvSpPr>
-          <p:cNvPr id="8" name="TextBox 7">
-            <a:extLst>
-              <a:ext uri="{FF2B5EF4-FFF2-40B4-BE49-F238E27FC236}">
-                <a16:creationId xmlns:a16="http://schemas.microsoft.com/office/drawing/2014/main" id="{EA6A12FC-8903-4E3D-A28F-36D50BD58A3C}"/>
-              </a:ext>
-            </a:extLst>
-          </p:cNvPr>
-          <p:cNvSpPr txBox="1"/>
-          <p:nvPr/>
-        </p:nvSpPr>
-        <p:spPr>
-          <a:xfrm>
-            <a:off x="310718" y="2015231"/>
-            <a:ext cx="5699465" cy="646331"/>
-          </a:xfrm>
-          <a:prstGeom prst="rect">
-            <a:avLst/>
-          </a:prstGeom>
-          <a:noFill/>
-        </p:spPr>
-        <p:txBody>
-          <a:bodyPr wrap="square" rtlCol="0">
-            <a:spAutoFit/>
-          </a:bodyPr>
-          <a:lstStyle/>
-          <a:p>
-            <a:r>
-              <a:rPr lang="en-US" dirty="0"/>
-              <a:t>The picture above shows the </a:t>
-            </a:r>
-            <a:r>
-              <a:rPr lang="en-US" dirty="0" err="1"/>
-              <a:t>ip</a:t>
-            </a:r>
-            <a:r>
-              <a:rPr lang="en-US" dirty="0"/>
-              <a:t> address to login to </a:t>
-            </a:r>
-            <a:r>
-              <a:rPr lang="en-US" dirty="0" err="1"/>
-              <a:t>to</a:t>
-            </a:r>
-            <a:r>
-              <a:rPr lang="en-US" dirty="0"/>
-              <a:t> see the display of the sensor information</a:t>
-            </a:r>
-          </a:p>
-        </p:txBody>
-      </p:sp>
-    </p:spTree>
-    <p:extLst>
-      <p:ext uri="{BB962C8B-B14F-4D97-AF65-F5344CB8AC3E}">
-        <p14:creationId xmlns:p14="http://schemas.microsoft.com/office/powerpoint/2010/main" val="3025956409"/>
-      </p:ext>
-    </p:extLst>
-  </p:cSld>
-  <p:clrMapOvr>
-    <a:masterClrMapping/>
-  </p:clrMapOvr>
-</p:sld>
-</file>
-
-<file path=ppt/slides/slide14.xml><?xml version="1.0" encoding="utf-8"?>
-<p:sld xmlns:a="http://schemas.openxmlformats.org/drawingml/2006/main" xmlns:r="http://schemas.openxmlformats.org/officeDocument/2006/relationships" xmlns:p="http://schemas.openxmlformats.org/presentationml/2006/main">
-  <p:cSld>
-    <p:spTree>
-      <p:nvGrpSpPr>
-        <p:cNvPr id="1" name=""/>
-        <p:cNvGrpSpPr/>
-        <p:nvPr/>
-      </p:nvGrpSpPr>
-      <p:grpSpPr>
-        <a:xfrm>
-          <a:off x="0" y="0"/>
-          <a:ext cx="0" cy="0"/>
-          <a:chOff x="0" y="0"/>
-          <a:chExt cx="0" cy="0"/>
-        </a:xfrm>
-      </p:grpSpPr>
-      <p:sp>
-        <p:nvSpPr>
-          <p:cNvPr id="2" name="Title 1">
-            <a:extLst>
-              <a:ext uri="{FF2B5EF4-FFF2-40B4-BE49-F238E27FC236}">
-                <a16:creationId xmlns:a16="http://schemas.microsoft.com/office/drawing/2014/main" id="{4EF60A9D-542C-4B03-867E-13115404D4EF}"/>
-              </a:ext>
-            </a:extLst>
-          </p:cNvPr>
-          <p:cNvSpPr>
-            <a:spLocks noGrp="1"/>
-          </p:cNvSpPr>
-          <p:nvPr>
-            <p:ph type="title"/>
-          </p:nvPr>
-        </p:nvSpPr>
-        <p:spPr/>
-        <p:txBody>
-          <a:bodyPr>
-            <a:normAutofit fontScale="90000"/>
-          </a:bodyPr>
-          <a:lstStyle/>
-          <a:p>
-            <a:endParaRPr lang="en-US"/>
-          </a:p>
-        </p:txBody>
-      </p:sp>
-      <p:sp>
-        <p:nvSpPr>
-          <p:cNvPr id="4" name="Footer Placeholder 3">
-            <a:extLst>
-              <a:ext uri="{FF2B5EF4-FFF2-40B4-BE49-F238E27FC236}">
-                <a16:creationId xmlns:a16="http://schemas.microsoft.com/office/drawing/2014/main" id="{FE94610D-08B2-44BA-95EA-C6F15FCDFFEE}"/>
-              </a:ext>
-            </a:extLst>
-          </p:cNvPr>
-          <p:cNvSpPr>
-            <a:spLocks noGrp="1"/>
-          </p:cNvSpPr>
-          <p:nvPr>
-            <p:ph type="ftr" sz="quarter" idx="11"/>
-          </p:nvPr>
-        </p:nvSpPr>
-        <p:spPr/>
-        <p:txBody>
-          <a:bodyPr/>
-          <a:lstStyle/>
-          <a:p>
-            <a:r>
-              <a:rPr lang="en-US"/>
-              <a:t>CpE403 Advanced Embedded Systems</a:t>
-            </a:r>
-            <a:endParaRPr lang="en-US" dirty="0"/>
-          </a:p>
-        </p:txBody>
-      </p:sp>
-      <p:pic>
-        <p:nvPicPr>
-          <p:cNvPr id="5" name="Content Placeholder 4">
-            <a:extLst>
-              <a:ext uri="{FF2B5EF4-FFF2-40B4-BE49-F238E27FC236}">
-                <a16:creationId xmlns:a16="http://schemas.microsoft.com/office/drawing/2014/main" id="{8E296B18-47D9-4022-96FC-5AFBFF899A95}"/>
-              </a:ext>
-            </a:extLst>
-          </p:cNvPr>
-          <p:cNvPicPr>
-            <a:picLocks noGrp="1"/>
-          </p:cNvPicPr>
-          <p:nvPr>
-            <p:ph idx="1"/>
-          </p:nvPr>
-        </p:nvPicPr>
-        <p:blipFill>
-          <a:blip r:embed="rId2"/>
-          <a:stretch>
-            <a:fillRect/>
-          </a:stretch>
-        </p:blipFill>
-        <p:spPr>
-          <a:xfrm>
-            <a:off x="113745" y="869032"/>
-            <a:ext cx="7886700" cy="2225816"/>
-          </a:xfrm>
-          <a:prstGeom prst="rect">
-            <a:avLst/>
-          </a:prstGeom>
-        </p:spPr>
-      </p:pic>
-      <p:sp>
-        <p:nvSpPr>
-          <p:cNvPr id="6" name="TextBox 5">
-            <a:extLst>
-              <a:ext uri="{FF2B5EF4-FFF2-40B4-BE49-F238E27FC236}">
-                <a16:creationId xmlns:a16="http://schemas.microsoft.com/office/drawing/2014/main" id="{E0171C89-EF14-4267-B536-EE26A81F5A09}"/>
-              </a:ext>
-            </a:extLst>
-          </p:cNvPr>
-          <p:cNvSpPr txBox="1"/>
-          <p:nvPr/>
-        </p:nvSpPr>
-        <p:spPr>
-          <a:xfrm>
-            <a:off x="781235" y="3429000"/>
-            <a:ext cx="6161103" cy="923330"/>
-          </a:xfrm>
-          <a:prstGeom prst="rect">
-            <a:avLst/>
-          </a:prstGeom>
-          <a:noFill/>
-        </p:spPr>
-        <p:txBody>
-          <a:bodyPr wrap="square" rtlCol="0">
-            <a:spAutoFit/>
-          </a:bodyPr>
-          <a:lstStyle/>
-          <a:p>
-            <a:r>
-              <a:rPr lang="en-US" dirty="0"/>
-              <a:t>The 3 pictures listed above show the sensor data being shown on the TI 15.4 gateway. There is two temperature sensor pictures with changed data and one with lux and humidity.</a:t>
-            </a:r>
-          </a:p>
-        </p:txBody>
-      </p:sp>
-    </p:spTree>
-    <p:extLst>
-      <p:ext uri="{BB962C8B-B14F-4D97-AF65-F5344CB8AC3E}">
-        <p14:creationId xmlns:p14="http://schemas.microsoft.com/office/powerpoint/2010/main" val="1597394139"/>
-      </p:ext>
-    </p:extLst>
-  </p:cSld>
-  <p:clrMapOvr>
-    <a:masterClrMapping/>
-  </p:clrMapOvr>
-</p:sld>
-</file>
-
-<file path=ppt/slides/slide15.xml><?xml version="1.0" encoding="utf-8"?>
-<p:sld xmlns:a="http://schemas.openxmlformats.org/drawingml/2006/main" xmlns:r="http://schemas.openxmlformats.org/officeDocument/2006/relationships" xmlns:p="http://schemas.openxmlformats.org/presentationml/2006/main">
-  <p:cSld>
-    <p:spTree>
-      <p:nvGrpSpPr>
-        <p:cNvPr id="1" name=""/>
-        <p:cNvGrpSpPr/>
-        <p:nvPr/>
-      </p:nvGrpSpPr>
-      <p:grpSpPr>
-        <a:xfrm>
-          <a:off x="0" y="0"/>
-          <a:ext cx="0" cy="0"/>
-          <a:chOff x="0" y="0"/>
-          <a:chExt cx="0" cy="0"/>
-        </a:xfrm>
-      </p:grpSpPr>
-      <p:sp>
-        <p:nvSpPr>
-          <p:cNvPr id="2" name="Title 1"/>
-          <p:cNvSpPr>
-            <a:spLocks noGrp="1"/>
-          </p:cNvSpPr>
-          <p:nvPr>
-            <p:ph type="title"/>
-          </p:nvPr>
-        </p:nvSpPr>
-        <p:spPr/>
-        <p:txBody>
-          <a:bodyPr>
-            <a:normAutofit fontScale="90000"/>
-          </a:bodyPr>
-          <a:lstStyle/>
-          <a:p>
             <a:r>
               <a:rPr lang="en-US" dirty="0"/>
               <a:t>Reference</a:t>
@@ -4820,21 +4218,27 @@
           </a:p>
           <a:p>
             <a:r>
-              <a:rPr lang="en-US" dirty="0"/>
-              <a:t>PDF’s provided</a:t>
-            </a:r>
-          </a:p>
-          <a:p>
-            <a:r>
-              <a:rPr lang="en-US" dirty="0"/>
-              <a:t>TI website and forums</a:t>
-            </a:r>
-          </a:p>
-          <a:p>
-            <a:r>
               <a:rPr lang="en-US" dirty="0" err="1"/>
               <a:t>StackOverflow</a:t>
             </a:r>
+            <a:endParaRPr lang="en-US" dirty="0"/>
+          </a:p>
+          <a:p>
+            <a:r>
+              <a:rPr lang="en-US" dirty="0"/>
+              <a:t>TI website and forum</a:t>
+            </a:r>
+          </a:p>
+          <a:p>
+            <a:r>
+              <a:rPr lang="en-US" dirty="0"/>
+              <a:t>Internet</a:t>
+            </a:r>
+          </a:p>
+          <a:p>
+            <a:pPr marL="0" indent="0">
+              <a:buNone/>
+            </a:pPr>
             <a:endParaRPr lang="en-US" dirty="0"/>
           </a:p>
         </p:txBody>
@@ -4917,7 +4321,36 @@
       </p:sp>
       <p:sp>
         <p:nvSpPr>
-          <p:cNvPr id="3" name="Content Placeholder 2"/>
+          <p:cNvPr id="4" name="Footer Placeholder 3"/>
+          <p:cNvSpPr>
+            <a:spLocks noGrp="1"/>
+          </p:cNvSpPr>
+          <p:nvPr>
+            <p:ph type="ftr" sz="quarter" idx="11"/>
+          </p:nvPr>
+        </p:nvSpPr>
+        <p:spPr/>
+        <p:txBody>
+          <a:bodyPr/>
+          <a:lstStyle/>
+          <a:p>
+            <a:r>
+              <a:rPr kumimoji="0" lang="en-US"/>
+              <a:t>CpE403 Advanced Embedded Systems</a:t>
+            </a:r>
+            <a:endParaRPr kumimoji="0" lang="en-US" dirty="0"/>
+          </a:p>
+        </p:txBody>
+      </p:sp>
+      <p:sp>
+        <p:nvSpPr>
+          <p:cNvPr id="5" name="Content Placeholder 2">
+            <a:extLst>
+              <a:ext uri="{FF2B5EF4-FFF2-40B4-BE49-F238E27FC236}">
+                <a16:creationId xmlns:a16="http://schemas.microsoft.com/office/drawing/2014/main" id="{CDD486C9-69B4-4D95-B541-C74DE27F8E88}"/>
+              </a:ext>
+            </a:extLst>
+          </p:cNvPr>
           <p:cNvSpPr>
             <a:spLocks noGrp="1"/>
           </p:cNvSpPr>
@@ -4968,29 +4401,6 @@
               <a:rPr lang="en-US" dirty="0"/>
             </a:br>
             <a:endParaRPr lang="en-US" dirty="0"/>
-          </a:p>
-        </p:txBody>
-      </p:sp>
-      <p:sp>
-        <p:nvSpPr>
-          <p:cNvPr id="4" name="Footer Placeholder 3"/>
-          <p:cNvSpPr>
-            <a:spLocks noGrp="1"/>
-          </p:cNvSpPr>
-          <p:nvPr>
-            <p:ph type="ftr" sz="quarter" idx="11"/>
-          </p:nvPr>
-        </p:nvSpPr>
-        <p:spPr/>
-        <p:txBody>
-          <a:bodyPr/>
-          <a:lstStyle/>
-          <a:p>
-            <a:r>
-              <a:rPr kumimoji="0" lang="en-US"/>
-              <a:t>CpE403 Advanced Embedded Systems</a:t>
-            </a:r>
-            <a:endParaRPr kumimoji="0" lang="en-US" dirty="0"/>
           </a:p>
         </p:txBody>
       </p:sp>
@@ -5063,6 +4473,12 @@
           <a:bodyPr/>
           <a:lstStyle/>
           <a:p>
+            <a:r>
+              <a:rPr lang="en-US" dirty="0"/>
+              <a:t>Outcome – result of your project?</a:t>
+            </a:r>
+          </a:p>
+          <a:p>
             <a:pPr lvl="1"/>
             <a:r>
               <a:rPr lang="en-US" i="1" dirty="0"/>
@@ -5280,41 +4696,54 @@
           <a:lstStyle/>
           <a:p>
             <a:r>
-              <a:rPr lang="en-US" u="sng" dirty="0"/>
-              <a:t>CCS for programming CC1350</a:t>
-            </a:r>
-          </a:p>
-          <a:p>
-            <a:r>
-              <a:rPr lang="en-US" u="sng" dirty="0"/>
-              <a:t>Virtual Machine</a:t>
-            </a:r>
-          </a:p>
-          <a:p>
-            <a:r>
-              <a:rPr lang="en-US" u="sng" dirty="0"/>
-              <a:t>Ubuntu Linux</a:t>
-            </a:r>
-          </a:p>
-          <a:p>
-            <a:r>
-              <a:rPr lang="en-US" u="sng" dirty="0"/>
-              <a:t>TI 15.4 Stack SDK</a:t>
-            </a:r>
-          </a:p>
-          <a:p>
-            <a:r>
-              <a:rPr lang="en-US" u="sng" dirty="0"/>
+              <a:rPr lang="en-US" dirty="0"/>
+              <a:t>CCS8 -</a:t>
+            </a:r>
+            <a:r>
+              <a:rPr lang="en-US" sz="1400" dirty="0"/>
+              <a:t> </a:t>
+            </a:r>
+            <a:r>
+              <a:rPr lang="en-US" sz="1400" dirty="0">
+                <a:hlinkClick r:id="rId2"/>
+              </a:rPr>
+              <a:t>http://processors.wiki.ti.com/index.php/Download_CCS</a:t>
+            </a:r>
+            <a:endParaRPr lang="en-US" dirty="0"/>
+          </a:p>
+          <a:p>
+            <a:r>
+              <a:rPr lang="en-US" dirty="0"/>
               <a:t>TI </a:t>
             </a:r>
             <a:r>
-              <a:rPr lang="en-US" u="sng" dirty="0" err="1"/>
+              <a:rPr lang="en-US" dirty="0" err="1"/>
               <a:t>UniFlash</a:t>
             </a:r>
-            <a:endParaRPr lang="en-US" u="sng" dirty="0"/>
-          </a:p>
-          <a:p>
-            <a:endParaRPr lang="en-US" u="sng" dirty="0"/>
+            <a:r>
+              <a:rPr lang="en-US" dirty="0"/>
+              <a:t> - </a:t>
+            </a:r>
+            <a:r>
+              <a:rPr lang="en-US" sz="1400" dirty="0">
+                <a:hlinkClick r:id="rId3"/>
+              </a:rPr>
+              <a:t>http://www.ti.com/tool/uniflash</a:t>
+            </a:r>
+            <a:endParaRPr lang="en-US" dirty="0"/>
+          </a:p>
+          <a:p>
+            <a:r>
+              <a:rPr lang="en-US" dirty="0"/>
+              <a:t>TI Stack15.4 SDK - </a:t>
+            </a:r>
+            <a:r>
+              <a:rPr lang="en-US" sz="1400" dirty="0">
+                <a:hlinkClick r:id="rId4"/>
+              </a:rPr>
+              <a:t>http://www.ti.com/tool/SIMPLELINK-CC13X0-SDK</a:t>
+            </a:r>
+            <a:endParaRPr lang="en-US" sz="1400" dirty="0"/>
           </a:p>
           <a:p>
             <a:endParaRPr lang="en-US" dirty="0"/>
@@ -5392,7 +4821,7 @@
           <a:p>
             <a:r>
               <a:rPr lang="en-US" dirty="0"/>
-              <a:t>Schematics</a:t>
+              <a:t>Actual project set-up</a:t>
             </a:r>
           </a:p>
         </p:txBody>
@@ -5409,8 +4838,8 @@
         </p:nvSpPr>
         <p:spPr>
           <a:xfrm>
-            <a:off x="628650" y="887896"/>
-            <a:ext cx="7867280" cy="5495149"/>
+            <a:off x="416983" y="694771"/>
+            <a:ext cx="7886700" cy="5468455"/>
           </a:xfrm>
         </p:spPr>
         <p:txBody>
@@ -5419,6 +4848,27 @@
           <a:p>
             <a:endParaRPr lang="en-US" dirty="0"/>
           </a:p>
+          <a:p>
+            <a:endParaRPr lang="en-US" dirty="0"/>
+          </a:p>
+          <a:p>
+            <a:endParaRPr lang="en-US" dirty="0"/>
+          </a:p>
+          <a:p>
+            <a:endParaRPr lang="en-US" dirty="0"/>
+          </a:p>
+          <a:p>
+            <a:endParaRPr lang="en-US" dirty="0"/>
+          </a:p>
+          <a:p>
+            <a:endParaRPr lang="en-US" dirty="0"/>
+          </a:p>
+          <a:p>
+            <a:endParaRPr lang="en-US" dirty="0"/>
+          </a:p>
+          <a:p>
+            <a:endParaRPr lang="en-US" dirty="0"/>
+          </a:p>
         </p:txBody>
       </p:sp>
       <p:sp>
@@ -5446,16 +4896,14 @@
       </p:sp>
       <p:pic>
         <p:nvPicPr>
-          <p:cNvPr id="5" name="Picture 4">
+          <p:cNvPr id="11" name="Picture 10">
             <a:extLst>
               <a:ext uri="{FF2B5EF4-FFF2-40B4-BE49-F238E27FC236}">
-                <a16:creationId xmlns:a16="http://schemas.microsoft.com/office/drawing/2014/main" id="{D353CA0F-484A-4063-9683-11FBEC97A536}"/>
+                <a16:creationId xmlns:a16="http://schemas.microsoft.com/office/drawing/2014/main" id="{90F3ABB2-AA13-46A6-B4EE-FED04E9FB0F3}"/>
               </a:ext>
             </a:extLst>
           </p:cNvPr>
-          <p:cNvPicPr>
-            <a:picLocks noChangeAspect="1"/>
-          </p:cNvPicPr>
+          <p:cNvPicPr/>
           <p:nvPr/>
         </p:nvPicPr>
         <p:blipFill>
@@ -5466,8 +4914,36 @@
         </p:blipFill>
         <p:spPr>
           <a:xfrm>
-            <a:off x="793580" y="1567554"/>
-            <a:ext cx="5514975" cy="3152775"/>
+            <a:off x="5367866" y="961752"/>
+            <a:ext cx="3498427" cy="3136116"/>
+          </a:xfrm>
+          <a:prstGeom prst="rect">
+            <a:avLst/>
+          </a:prstGeom>
+        </p:spPr>
+      </p:pic>
+      <p:pic>
+        <p:nvPicPr>
+          <p:cNvPr id="6" name="Picture 5">
+            <a:extLst>
+              <a:ext uri="{FF2B5EF4-FFF2-40B4-BE49-F238E27FC236}">
+                <a16:creationId xmlns:a16="http://schemas.microsoft.com/office/drawing/2014/main" id="{900A27CE-E62E-4274-8122-72FC3A5E9F4D}"/>
+              </a:ext>
+            </a:extLst>
+          </p:cNvPr>
+          <p:cNvPicPr/>
+          <p:nvPr/>
+        </p:nvPicPr>
+        <p:blipFill>
+          <a:blip r:embed="rId3"/>
+          <a:stretch>
+            <a:fillRect/>
+          </a:stretch>
+        </p:blipFill>
+        <p:spPr>
+          <a:xfrm>
+            <a:off x="628650" y="985162"/>
+            <a:ext cx="4073524" cy="3112706"/>
           </a:xfrm>
           <a:prstGeom prst="rect">
             <a:avLst/>
@@ -5540,24 +5016,37 @@
         </p:nvSpPr>
         <p:spPr/>
         <p:txBody>
-          <a:bodyPr/>
+          <a:bodyPr>
+            <a:normAutofit/>
+          </a:bodyPr>
           <a:lstStyle/>
           <a:p>
             <a:r>
               <a:rPr lang="en-US" dirty="0"/>
-              <a:t>Prerequisites</a:t>
-            </a:r>
-          </a:p>
-          <a:p>
+              <a:t>Components: 2x CC1350 Launch Pads, BBB, FTDI, jumper wires</a:t>
+            </a:r>
+          </a:p>
+          <a:p>
+            <a:r>
+              <a:rPr lang="en-US" dirty="0"/>
+              <a:t>Tools: needle nose pliers, Laptops</a:t>
+            </a:r>
+          </a:p>
+          <a:p>
+            <a:r>
+              <a:rPr lang="en-US" dirty="0"/>
+              <a:t>Software: CCS8, VM, Ubuntu Linux, TI15.4 Stack SDK, TI </a:t>
+            </a:r>
+            <a:r>
+              <a:rPr lang="en-US" dirty="0" err="1"/>
+              <a:t>UniFlash</a:t>
+            </a:r>
             <a:endParaRPr lang="en-US" dirty="0"/>
           </a:p>
           <a:p>
-            <a:endParaRPr lang="en-US" dirty="0"/>
-          </a:p>
-          <a:p>
-            <a:endParaRPr lang="en-US" dirty="0"/>
-          </a:p>
-          <a:p>
+            <a:pPr marL="0" indent="0">
+              <a:buNone/>
+            </a:pPr>
             <a:endParaRPr lang="en-US" dirty="0"/>
           </a:p>
           <a:p>
@@ -5569,37 +5058,60 @@
           <a:p>
             <a:pPr lvl="1"/>
             <a:r>
+              <a:rPr lang="en-US" sz="1800" dirty="0"/>
+              <a:t>$ cd ~/</a:t>
+            </a:r>
+            <a:r>
+              <a:rPr lang="en-US" sz="1800" dirty="0" err="1"/>
+              <a:t>ti</a:t>
+            </a:r>
+            <a:r>
+              <a:rPr lang="en-US" sz="1800" dirty="0"/>
+              <a:t>/</a:t>
+            </a:r>
+            <a:r>
+              <a:rPr lang="en-US" sz="1800" dirty="0" err="1"/>
+              <a:t>simplelink</a:t>
+            </a:r>
+            <a:r>
+              <a:rPr lang="en-US" sz="1800" dirty="0"/>
+              <a:t>/ti-15.4stack-x.xx.xx.xx/prebuilt</a:t>
+            </a:r>
+          </a:p>
+          <a:p>
+            <a:pPr lvl="1"/>
+            <a:r>
+              <a:rPr lang="en-US" sz="1800" dirty="0" err="1"/>
+              <a:t>scp</a:t>
+            </a:r>
+            <a:r>
+              <a:rPr lang="en-US" sz="1800" dirty="0"/>
+              <a:t> bbb_prebuilt.tar.gz root@&lt;</a:t>
+            </a:r>
+            <a:r>
+              <a:rPr lang="en-US" sz="1800" dirty="0" err="1"/>
+              <a:t>bbb</a:t>
+            </a:r>
+            <a:r>
+              <a:rPr lang="en-US" sz="1800" dirty="0"/>
+              <a:t>-</a:t>
+            </a:r>
+            <a:r>
+              <a:rPr lang="en-US" sz="1800" dirty="0" err="1"/>
+              <a:t>ip</a:t>
+            </a:r>
+            <a:r>
+              <a:rPr lang="en-US" sz="1800" dirty="0"/>
+              <a:t>-address&gt;:/home/root/ - copied file to PI </a:t>
+            </a:r>
+          </a:p>
+          <a:p>
+            <a:pPr lvl="1"/>
+            <a:r>
               <a:rPr lang="en-US" dirty="0"/>
-              <a:t>$ </a:t>
-            </a:r>
-            <a:r>
-              <a:rPr lang="en-US" dirty="0" err="1"/>
-              <a:t>sudo</a:t>
-            </a:r>
-            <a:r>
-              <a:rPr lang="en-US" dirty="0"/>
-              <a:t> apt-get </a:t>
-            </a:r>
-            <a:r>
-              <a:rPr lang="en-US" dirty="0" err="1"/>
-              <a:t>instal</a:t>
-            </a:r>
-            <a:r>
-              <a:rPr lang="en-US" dirty="0"/>
-              <a:t> </a:t>
-            </a:r>
-            <a:r>
-              <a:rPr lang="is-IS" dirty="0"/>
-              <a:t>…   (or)</a:t>
-            </a:r>
-          </a:p>
-          <a:p>
-            <a:pPr lvl="1"/>
-            <a:r>
-              <a:rPr lang="is-IS" dirty="0"/>
-              <a:t>$ git clone .... (install from src)</a:t>
-            </a:r>
-            <a:endParaRPr lang="en-US" dirty="0"/>
+              <a:t>./run_demo.sh – launched gateway for web interface</a:t>
+            </a:r>
+            <a:endParaRPr lang="en-US" sz="1800" dirty="0"/>
           </a:p>
         </p:txBody>
       </p:sp>
@@ -5704,14 +5216,21 @@
             <a:pPr lvl="1"/>
             <a:r>
               <a:rPr lang="en-US" dirty="0"/>
-              <a:t>How to Make Objective 1 to work?</a:t>
+              <a:t>Import necessary CCS files build and load hex files to launchpads</a:t>
             </a:r>
           </a:p>
           <a:p>
             <a:pPr lvl="1"/>
             <a:r>
               <a:rPr lang="en-US" dirty="0"/>
-              <a:t>How to make Objective 2 to work?</a:t>
+              <a:t>Download TI15.4 SDK flash on to an SD card</a:t>
+            </a:r>
+          </a:p>
+          <a:p>
+            <a:pPr lvl="1"/>
+            <a:r>
+              <a:rPr lang="en-US" dirty="0"/>
+              <a:t>Build SDK in VM transfer gateway to PI</a:t>
             </a:r>
           </a:p>
           <a:p>
@@ -5722,40 +5241,87 @@
             <a:pPr lvl="1"/>
             <a:endParaRPr lang="en-US" dirty="0"/>
           </a:p>
-          <a:p>
-            <a:r>
-              <a:rPr lang="en-US" dirty="0"/>
-              <a:t>You can use more slides if needed</a:t>
-            </a:r>
-          </a:p>
-          <a:p>
+        </p:txBody>
+      </p:sp>
+      <p:sp>
+        <p:nvSpPr>
+          <p:cNvPr id="4" name="Footer Placeholder 3"/>
+          <p:cNvSpPr>
+            <a:spLocks noGrp="1"/>
+          </p:cNvSpPr>
+          <p:nvPr>
+            <p:ph type="ftr" sz="quarter" idx="11"/>
+          </p:nvPr>
+        </p:nvSpPr>
+        <p:spPr/>
+        <p:txBody>
+          <a:bodyPr/>
+          <a:lstStyle/>
+          <a:p>
+            <a:r>
+              <a:rPr lang="en-US"/>
+              <a:t>CpE403 Advanced Embedded Systems</a:t>
+            </a:r>
             <a:endParaRPr lang="en-US" dirty="0"/>
           </a:p>
         </p:txBody>
       </p:sp>
-      <p:sp>
-        <p:nvSpPr>
-          <p:cNvPr id="4" name="Footer Placeholder 3"/>
-          <p:cNvSpPr>
-            <a:spLocks noGrp="1"/>
-          </p:cNvSpPr>
-          <p:nvPr>
-            <p:ph type="ftr" sz="quarter" idx="11"/>
-          </p:nvPr>
-        </p:nvSpPr>
-        <p:spPr/>
-        <p:txBody>
-          <a:bodyPr/>
-          <a:lstStyle/>
-          <a:p>
-            <a:r>
-              <a:rPr lang="en-US"/>
-              <a:t>CpE403 Advanced Embedded Systems</a:t>
-            </a:r>
-            <a:endParaRPr lang="en-US" dirty="0"/>
-          </a:p>
-        </p:txBody>
-      </p:sp>
+      <p:pic>
+        <p:nvPicPr>
+          <p:cNvPr id="5" name="Picture 4">
+            <a:extLst>
+              <a:ext uri="{FF2B5EF4-FFF2-40B4-BE49-F238E27FC236}">
+                <a16:creationId xmlns:a16="http://schemas.microsoft.com/office/drawing/2014/main" id="{5F580F02-EDAF-4CBA-90E6-2AC662527257}"/>
+              </a:ext>
+            </a:extLst>
+          </p:cNvPr>
+          <p:cNvPicPr/>
+          <p:nvPr/>
+        </p:nvPicPr>
+        <p:blipFill>
+          <a:blip r:embed="rId2"/>
+          <a:stretch>
+            <a:fillRect/>
+          </a:stretch>
+        </p:blipFill>
+        <p:spPr>
+          <a:xfrm>
+            <a:off x="908578" y="5003642"/>
+            <a:ext cx="5943600" cy="1424305"/>
+          </a:xfrm>
+          <a:prstGeom prst="rect">
+            <a:avLst/>
+          </a:prstGeom>
+        </p:spPr>
+      </p:pic>
+      <p:pic>
+        <p:nvPicPr>
+          <p:cNvPr id="6" name="Picture 5">
+            <a:extLst>
+              <a:ext uri="{FF2B5EF4-FFF2-40B4-BE49-F238E27FC236}">
+                <a16:creationId xmlns:a16="http://schemas.microsoft.com/office/drawing/2014/main" id="{ECC4649D-4181-4182-8D83-CBF63627250D}"/>
+              </a:ext>
+            </a:extLst>
+          </p:cNvPr>
+          <p:cNvPicPr/>
+          <p:nvPr/>
+        </p:nvPicPr>
+        <p:blipFill>
+          <a:blip r:embed="rId3"/>
+          <a:stretch>
+            <a:fillRect/>
+          </a:stretch>
+        </p:blipFill>
+        <p:spPr>
+          <a:xfrm>
+            <a:off x="908578" y="2951162"/>
+            <a:ext cx="4501622" cy="2124075"/>
+          </a:xfrm>
+          <a:prstGeom prst="rect">
+            <a:avLst/>
+          </a:prstGeom>
+        </p:spPr>
+      </p:pic>
     </p:spTree>
     <p:extLst>
       <p:ext uri="{BB962C8B-B14F-4D97-AF65-F5344CB8AC3E}">
@@ -5805,26 +5371,71 @@
           <a:p>
             <a:r>
               <a:rPr lang="en-US" dirty="0"/>
-              <a:t>Actual project set-up</a:t>
-            </a:r>
+              <a:t>Schematics</a:t>
+            </a:r>
+          </a:p>
+        </p:txBody>
+      </p:sp>
+      <p:sp>
+        <p:nvSpPr>
+          <p:cNvPr id="3" name="Content Placeholder 2"/>
+          <p:cNvSpPr>
+            <a:spLocks noGrp="1"/>
+          </p:cNvSpPr>
+          <p:nvPr>
+            <p:ph idx="1"/>
+          </p:nvPr>
+        </p:nvSpPr>
+        <p:spPr/>
+        <p:txBody>
+          <a:bodyPr/>
+          <a:lstStyle/>
+          <a:p>
+            <a:r>
+              <a:rPr lang="en-US" dirty="0"/>
+              <a:t>Screenshot of the project will all components</a:t>
+            </a:r>
+          </a:p>
+          <a:p>
+            <a:pPr lvl="1"/>
+            <a:endParaRPr lang="en-US" i="1" dirty="0"/>
+          </a:p>
+        </p:txBody>
+      </p:sp>
+      <p:sp>
+        <p:nvSpPr>
+          <p:cNvPr id="4" name="Footer Placeholder 3"/>
+          <p:cNvSpPr>
+            <a:spLocks noGrp="1"/>
+          </p:cNvSpPr>
+          <p:nvPr>
+            <p:ph type="ftr" sz="quarter" idx="11"/>
+          </p:nvPr>
+        </p:nvSpPr>
+        <p:spPr/>
+        <p:txBody>
+          <a:bodyPr/>
+          <a:lstStyle/>
+          <a:p>
+            <a:r>
+              <a:rPr lang="en-US"/>
+              <a:t>CpE403 Advanced Embedded Systems</a:t>
+            </a:r>
+            <a:endParaRPr lang="en-US" dirty="0"/>
           </a:p>
         </p:txBody>
       </p:sp>
       <p:pic>
         <p:nvPicPr>
-          <p:cNvPr id="5" name="Content Placeholder 4" descr="This">
+          <p:cNvPr id="5" name="Picture 4">
             <a:extLst>
               <a:ext uri="{FF2B5EF4-FFF2-40B4-BE49-F238E27FC236}">
-                <a16:creationId xmlns:a16="http://schemas.microsoft.com/office/drawing/2014/main" id="{7AECBB0D-3659-4FBE-ACB2-E585D80CD739}"/>
+                <a16:creationId xmlns:a16="http://schemas.microsoft.com/office/drawing/2014/main" id="{71DADCDD-2EF3-4FC3-B745-CDAD4E7A1D3E}"/>
               </a:ext>
             </a:extLst>
           </p:cNvPr>
-          <p:cNvPicPr>
-            <a:picLocks noGrp="1" noChangeAspect="1"/>
-          </p:cNvPicPr>
-          <p:nvPr>
-            <p:ph idx="1"/>
-          </p:nvPr>
+          <p:cNvPicPr/>
+          <p:nvPr/>
         </p:nvPicPr>
         <p:blipFill>
           <a:blip r:embed="rId2"/>
@@ -5834,43 +5445,20 @@
         </p:blipFill>
         <p:spPr>
           <a:xfrm>
-            <a:off x="519898" y="1004571"/>
-            <a:ext cx="3086101" cy="1894668"/>
+            <a:off x="2078778" y="1913625"/>
+            <a:ext cx="4207510" cy="2383155"/>
           </a:xfrm>
           <a:prstGeom prst="rect">
             <a:avLst/>
           </a:prstGeom>
         </p:spPr>
       </p:pic>
-      <p:sp>
-        <p:nvSpPr>
-          <p:cNvPr id="4" name="Footer Placeholder 3"/>
-          <p:cNvSpPr>
-            <a:spLocks noGrp="1"/>
-          </p:cNvSpPr>
-          <p:nvPr>
-            <p:ph type="ftr" sz="quarter" idx="11"/>
-          </p:nvPr>
-        </p:nvSpPr>
-        <p:spPr/>
-        <p:txBody>
-          <a:bodyPr/>
-          <a:lstStyle/>
-          <a:p>
-            <a:r>
-              <a:rPr lang="en-US"/>
-              <a:t>CpE403 Advanced Embedded Systems</a:t>
-            </a:r>
-            <a:endParaRPr lang="en-US" dirty="0"/>
-          </a:p>
-        </p:txBody>
-      </p:sp>
       <p:pic>
         <p:nvPicPr>
           <p:cNvPr id="6" name="Picture 5">
             <a:extLst>
               <a:ext uri="{FF2B5EF4-FFF2-40B4-BE49-F238E27FC236}">
-                <a16:creationId xmlns:a16="http://schemas.microsoft.com/office/drawing/2014/main" id="{792A3A89-657C-430B-9DA0-7D64F57867C8}"/>
+                <a16:creationId xmlns:a16="http://schemas.microsoft.com/office/drawing/2014/main" id="{59B1ED48-2A8D-4C09-A5B3-70FD6C87C8D1}"/>
               </a:ext>
             </a:extLst>
           </p:cNvPr>
@@ -5887,14 +5475,127 @@
         </p:blipFill>
         <p:spPr>
           <a:xfrm>
-            <a:off x="4201126" y="844363"/>
-            <a:ext cx="3990975" cy="3381375"/>
+            <a:off x="781311" y="3695503"/>
+            <a:ext cx="2000247" cy="1469164"/>
           </a:xfrm>
           <a:prstGeom prst="rect">
             <a:avLst/>
           </a:prstGeom>
         </p:spPr>
       </p:pic>
+      <p:cxnSp>
+        <p:nvCxnSpPr>
+          <p:cNvPr id="7" name="Straight Connector 6">
+            <a:extLst>
+              <a:ext uri="{FF2B5EF4-FFF2-40B4-BE49-F238E27FC236}">
+                <a16:creationId xmlns:a16="http://schemas.microsoft.com/office/drawing/2014/main" id="{BB75105A-2677-42BD-B0B5-0215D95A9BEF}"/>
+              </a:ext>
+            </a:extLst>
+          </p:cNvPr>
+          <p:cNvCxnSpPr/>
+          <p:nvPr/>
+        </p:nvCxnSpPr>
+        <p:spPr>
+          <a:xfrm>
+            <a:off x="2904066" y="4296780"/>
+            <a:ext cx="0" cy="865823"/>
+          </a:xfrm>
+          <a:prstGeom prst="line">
+            <a:avLst/>
+          </a:prstGeom>
+          <a:ln>
+            <a:solidFill>
+              <a:schemeClr val="tx1"/>
+            </a:solidFill>
+          </a:ln>
+        </p:spPr>
+        <p:style>
+          <a:lnRef idx="1">
+            <a:schemeClr val="accent1"/>
+          </a:lnRef>
+          <a:fillRef idx="0">
+            <a:schemeClr val="accent1"/>
+          </a:fillRef>
+          <a:effectRef idx="0">
+            <a:schemeClr val="accent1"/>
+          </a:effectRef>
+          <a:fontRef idx="minor">
+            <a:schemeClr val="tx1"/>
+          </a:fontRef>
+        </p:style>
+      </p:cxnSp>
+      <p:cxnSp>
+        <p:nvCxnSpPr>
+          <p:cNvPr id="8" name="Straight Connector 7">
+            <a:extLst>
+              <a:ext uri="{FF2B5EF4-FFF2-40B4-BE49-F238E27FC236}">
+                <a16:creationId xmlns:a16="http://schemas.microsoft.com/office/drawing/2014/main" id="{D8D8FDC2-3A3E-4ED8-A693-E022207C23EE}"/>
+              </a:ext>
+            </a:extLst>
+          </p:cNvPr>
+          <p:cNvCxnSpPr/>
+          <p:nvPr/>
+        </p:nvCxnSpPr>
+        <p:spPr>
+          <a:xfrm flipH="1" flipV="1">
+            <a:off x="2078778" y="5162603"/>
+            <a:ext cx="825288" cy="2064"/>
+          </a:xfrm>
+          <a:prstGeom prst="line">
+            <a:avLst/>
+          </a:prstGeom>
+        </p:spPr>
+        <p:style>
+          <a:lnRef idx="1">
+            <a:schemeClr val="dk1"/>
+          </a:lnRef>
+          <a:fillRef idx="0">
+            <a:schemeClr val="dk1"/>
+          </a:fillRef>
+          <a:effectRef idx="0">
+            <a:schemeClr val="dk1"/>
+          </a:effectRef>
+          <a:fontRef idx="minor">
+            <a:schemeClr val="tx1"/>
+          </a:fontRef>
+        </p:style>
+      </p:cxnSp>
+      <p:cxnSp>
+        <p:nvCxnSpPr>
+          <p:cNvPr id="9" name="Straight Connector 8">
+            <a:extLst>
+              <a:ext uri="{FF2B5EF4-FFF2-40B4-BE49-F238E27FC236}">
+                <a16:creationId xmlns:a16="http://schemas.microsoft.com/office/drawing/2014/main" id="{BAD248C5-0B51-4043-BFD7-9F52933665AD}"/>
+              </a:ext>
+            </a:extLst>
+          </p:cNvPr>
+          <p:cNvCxnSpPr/>
+          <p:nvPr/>
+        </p:nvCxnSpPr>
+        <p:spPr>
+          <a:xfrm>
+            <a:off x="2078778" y="5052536"/>
+            <a:ext cx="0" cy="110067"/>
+          </a:xfrm>
+          <a:prstGeom prst="line">
+            <a:avLst/>
+          </a:prstGeom>
+        </p:spPr>
+        <p:style>
+          <a:lnRef idx="1">
+            <a:schemeClr val="dk1"/>
+          </a:lnRef>
+          <a:fillRef idx="0">
+            <a:schemeClr val="dk1"/>
+          </a:fillRef>
+          <a:effectRef idx="0">
+            <a:schemeClr val="dk1"/>
+          </a:effectRef>
+          <a:fontRef idx="minor">
+            <a:schemeClr val="tx1"/>
+          </a:fontRef>
+        </p:style>
+      </p:cxnSp>
     </p:spTree>
     <p:extLst>
       <p:ext uri="{BB962C8B-B14F-4D97-AF65-F5344CB8AC3E}">
